--- a/DAJ(mini-project).pptx
+++ b/DAJ(mini-project).pptx
@@ -122,10 +122,21 @@
   </p:defaultTextStyle>
   <p:extLst>
     <p:ext uri="{EFAFB233-063F-42B5-8137-9DF3F51BA10A}">
-      <p15:sldGuideLst xmlns:p15="http://schemas.microsoft.com/office/powerpoint/2012/main" xmlns=""/>
+      <p15:sldGuideLst xmlns:p15="http://schemas.microsoft.com/office/powerpoint/2012/main">
+        <p15:guide id="1" orient="horz" pos="2160">
+          <p15:clr>
+            <a:srgbClr val="A4A3A4"/>
+          </p15:clr>
+        </p15:guide>
+        <p15:guide id="2" pos="3840">
+          <p15:clr>
+            <a:srgbClr val="A4A3A4"/>
+          </p15:clr>
+        </p15:guide>
+      </p15:sldGuideLst>
     </p:ext>
     <p:ext uri="{2D200454-40CA-4A62-9FC3-DE9A4176ACB9}">
-      <p15:notesGuideLst xmlns:p15="http://schemas.microsoft.com/office/powerpoint/2012/main" xmlns=""/>
+      <p15:notesGuideLst xmlns:p15="http://schemas.microsoft.com/office/powerpoint/2012/main"/>
     </p:ext>
   </p:extLst>
 </p:presentation>
@@ -166,7 +177,7 @@
           <p:cNvPr id="2" name="Header Placeholder 1">
             <a:extLst>
               <a:ext uri="{FF2B5EF4-FFF2-40B4-BE49-F238E27FC236}">
-                <a16:creationId xmlns="" xmlns:a16="http://schemas.microsoft.com/office/drawing/2014/main" id="{53A5104B-E864-25A2-362B-43D2BF8EEB6C}"/>
+                <a16:creationId xmlns:a16="http://schemas.microsoft.com/office/drawing/2014/main" id="{53A5104B-E864-25A2-362B-43D2BF8EEB6C}"/>
               </a:ext>
             </a:extLst>
           </p:cNvPr>
@@ -203,7 +214,7 @@
           <p:cNvPr id="3" name="Date Placeholder 2">
             <a:extLst>
               <a:ext uri="{FF2B5EF4-FFF2-40B4-BE49-F238E27FC236}">
-                <a16:creationId xmlns="" xmlns:a16="http://schemas.microsoft.com/office/drawing/2014/main" id="{9CAD64BC-5369-16CB-262E-AB5BDEFDF9EE}"/>
+                <a16:creationId xmlns:a16="http://schemas.microsoft.com/office/drawing/2014/main" id="{9CAD64BC-5369-16CB-262E-AB5BDEFDF9EE}"/>
               </a:ext>
             </a:extLst>
           </p:cNvPr>
@@ -234,7 +245,7 @@
             <a:fld id="{96658513-1E01-4288-AAC1-94969183DDB7}" type="datetimeFigureOut">
               <a:rPr lang="en-IN" smtClean="0"/>
               <a:pPr/>
-              <a:t>23-09-2024</a:t>
+              <a:t>24-09-2024</a:t>
             </a:fld>
             <a:endParaRPr lang="en-IN"/>
           </a:p>
@@ -245,7 +256,7 @@
           <p:cNvPr id="4" name="Footer Placeholder 3">
             <a:extLst>
               <a:ext uri="{FF2B5EF4-FFF2-40B4-BE49-F238E27FC236}">
-                <a16:creationId xmlns="" xmlns:a16="http://schemas.microsoft.com/office/drawing/2014/main" id="{73E02B29-629D-7379-5EE4-AA7849A60219}"/>
+                <a16:creationId xmlns:a16="http://schemas.microsoft.com/office/drawing/2014/main" id="{73E02B29-629D-7379-5EE4-AA7849A60219}"/>
               </a:ext>
             </a:extLst>
           </p:cNvPr>
@@ -282,7 +293,7 @@
           <p:cNvPr id="5" name="Slide Number Placeholder 4">
             <a:extLst>
               <a:ext uri="{FF2B5EF4-FFF2-40B4-BE49-F238E27FC236}">
-                <a16:creationId xmlns="" xmlns:a16="http://schemas.microsoft.com/office/drawing/2014/main" id="{B830DA77-0C7E-AB30-6C76-7B2201AA3532}"/>
+                <a16:creationId xmlns:a16="http://schemas.microsoft.com/office/drawing/2014/main" id="{B830DA77-0C7E-AB30-6C76-7B2201AA3532}"/>
               </a:ext>
             </a:extLst>
           </p:cNvPr>
@@ -322,7 +333,7 @@
     </p:spTree>
     <p:extLst>
       <p:ext uri="{BB962C8B-B14F-4D97-AF65-F5344CB8AC3E}">
-        <p14:creationId xmlns:p14="http://schemas.microsoft.com/office/powerpoint/2010/main" xmlns="" val="3083696634"/>
+        <p14:creationId xmlns:p14="http://schemas.microsoft.com/office/powerpoint/2010/main" val="3083696634"/>
       </p:ext>
     </p:extLst>
   </p:cSld>
@@ -413,7 +424,7 @@
             <a:fld id="{1C69B61C-5469-47ED-A69E-5DEE3E4503C3}" type="datetimeFigureOut">
               <a:rPr lang="en-IN" smtClean="0"/>
               <a:pPr/>
-              <a:t>23-09-2024</a:t>
+              <a:t>24-09-2024</a:t>
             </a:fld>
             <a:endParaRPr lang="en-IN"/>
           </a:p>
@@ -582,7 +593,7 @@
     </p:spTree>
     <p:extLst>
       <p:ext uri="{BB962C8B-B14F-4D97-AF65-F5344CB8AC3E}">
-        <p14:creationId xmlns:p14="http://schemas.microsoft.com/office/powerpoint/2010/main" xmlns="" val="2887030855"/>
+        <p14:creationId xmlns:p14="http://schemas.microsoft.com/office/powerpoint/2010/main" val="2887030855"/>
       </p:ext>
     </p:extLst>
   </p:cSld>
@@ -757,7 +768,7 @@
     </p:spTree>
     <p:extLst>
       <p:ext uri="{BB962C8B-B14F-4D97-AF65-F5344CB8AC3E}">
-        <p14:creationId xmlns:p14="http://schemas.microsoft.com/office/powerpoint/2010/main" xmlns="" val="1441228167"/>
+        <p14:creationId xmlns:p14="http://schemas.microsoft.com/office/powerpoint/2010/main" val="1441228167"/>
       </p:ext>
     </p:extLst>
   </p:cSld>
@@ -847,7 +858,7 @@
     </p:spTree>
     <p:extLst>
       <p:ext uri="{BB962C8B-B14F-4D97-AF65-F5344CB8AC3E}">
-        <p14:creationId xmlns:p14="http://schemas.microsoft.com/office/powerpoint/2010/main" xmlns="" val="2069974529"/>
+        <p14:creationId xmlns:p14="http://schemas.microsoft.com/office/powerpoint/2010/main" val="2069974529"/>
       </p:ext>
     </p:extLst>
   </p:cSld>
@@ -937,7 +948,7 @@
     </p:spTree>
     <p:extLst>
       <p:ext uri="{BB962C8B-B14F-4D97-AF65-F5344CB8AC3E}">
-        <p14:creationId xmlns:p14="http://schemas.microsoft.com/office/powerpoint/2010/main" xmlns="" val="1200514669"/>
+        <p14:creationId xmlns:p14="http://schemas.microsoft.com/office/powerpoint/2010/main" val="1200514669"/>
       </p:ext>
     </p:extLst>
   </p:cSld>
@@ -1027,7 +1038,7 @@
     </p:spTree>
     <p:extLst>
       <p:ext uri="{BB962C8B-B14F-4D97-AF65-F5344CB8AC3E}">
-        <p14:creationId xmlns:p14="http://schemas.microsoft.com/office/powerpoint/2010/main" xmlns="" val="833088344"/>
+        <p14:creationId xmlns:p14="http://schemas.microsoft.com/office/powerpoint/2010/main" val="833088344"/>
       </p:ext>
     </p:extLst>
   </p:cSld>
@@ -1117,7 +1128,7 @@
     </p:spTree>
     <p:extLst>
       <p:ext uri="{BB962C8B-B14F-4D97-AF65-F5344CB8AC3E}">
-        <p14:creationId xmlns:p14="http://schemas.microsoft.com/office/powerpoint/2010/main" xmlns="" val="2105923302"/>
+        <p14:creationId xmlns:p14="http://schemas.microsoft.com/office/powerpoint/2010/main" val="2105923302"/>
       </p:ext>
     </p:extLst>
   </p:cSld>
@@ -1207,7 +1218,7 @@
     </p:spTree>
     <p:extLst>
       <p:ext uri="{BB962C8B-B14F-4D97-AF65-F5344CB8AC3E}">
-        <p14:creationId xmlns:p14="http://schemas.microsoft.com/office/powerpoint/2010/main" xmlns="" val="1268366109"/>
+        <p14:creationId xmlns:p14="http://schemas.microsoft.com/office/powerpoint/2010/main" val="1268366109"/>
       </p:ext>
     </p:extLst>
   </p:cSld>
@@ -1297,7 +1308,7 @@
     </p:spTree>
     <p:extLst>
       <p:ext uri="{BB962C8B-B14F-4D97-AF65-F5344CB8AC3E}">
-        <p14:creationId xmlns:p14="http://schemas.microsoft.com/office/powerpoint/2010/main" xmlns="" val="3426608902"/>
+        <p14:creationId xmlns:p14="http://schemas.microsoft.com/office/powerpoint/2010/main" val="3426608902"/>
       </p:ext>
     </p:extLst>
   </p:cSld>
@@ -1387,7 +1398,7 @@
     </p:spTree>
     <p:extLst>
       <p:ext uri="{BB962C8B-B14F-4D97-AF65-F5344CB8AC3E}">
-        <p14:creationId xmlns:p14="http://schemas.microsoft.com/office/powerpoint/2010/main" xmlns="" val="2043507480"/>
+        <p14:creationId xmlns:p14="http://schemas.microsoft.com/office/powerpoint/2010/main" val="2043507480"/>
       </p:ext>
     </p:extLst>
   </p:cSld>
@@ -1477,7 +1488,7 @@
     </p:spTree>
     <p:extLst>
       <p:ext uri="{BB962C8B-B14F-4D97-AF65-F5344CB8AC3E}">
-        <p14:creationId xmlns:p14="http://schemas.microsoft.com/office/powerpoint/2010/main" xmlns="" val="3670082270"/>
+        <p14:creationId xmlns:p14="http://schemas.microsoft.com/office/powerpoint/2010/main" val="3670082270"/>
       </p:ext>
     </p:extLst>
   </p:cSld>
@@ -1509,7 +1520,7 @@
           <p:cNvPr id="9" name="Rectangle 8">
             <a:extLst>
               <a:ext uri="{FF2B5EF4-FFF2-40B4-BE49-F238E27FC236}">
-                <a16:creationId xmlns="" xmlns:a16="http://schemas.microsoft.com/office/drawing/2014/main" id="{0D1853ED-8E5C-BBC4-4EED-0308F8DF0C45}"/>
+                <a16:creationId xmlns:a16="http://schemas.microsoft.com/office/drawing/2014/main" id="{0D1853ED-8E5C-BBC4-4EED-0308F8DF0C45}"/>
               </a:ext>
             </a:extLst>
           </p:cNvPr>
@@ -1555,7 +1566,7 @@
           <p:cNvPr id="2" name="Title 1">
             <a:extLst>
               <a:ext uri="{FF2B5EF4-FFF2-40B4-BE49-F238E27FC236}">
-                <a16:creationId xmlns="" xmlns:a16="http://schemas.microsoft.com/office/drawing/2014/main" id="{3FA142DE-322C-2319-01FD-B64596CCAA4A}"/>
+                <a16:creationId xmlns:a16="http://schemas.microsoft.com/office/drawing/2014/main" id="{3FA142DE-322C-2319-01FD-B64596CCAA4A}"/>
               </a:ext>
             </a:extLst>
           </p:cNvPr>
@@ -1598,7 +1609,7 @@
           <p:cNvPr id="3" name="Content Placeholder 2">
             <a:extLst>
               <a:ext uri="{FF2B5EF4-FFF2-40B4-BE49-F238E27FC236}">
-                <a16:creationId xmlns="" xmlns:a16="http://schemas.microsoft.com/office/drawing/2014/main" id="{290A5DE7-ACAC-21EA-A20E-2A2CE6F6A9BE}"/>
+                <a16:creationId xmlns:a16="http://schemas.microsoft.com/office/drawing/2014/main" id="{290A5DE7-ACAC-21EA-A20E-2A2CE6F6A9BE}"/>
               </a:ext>
             </a:extLst>
           </p:cNvPr>
@@ -1692,7 +1703,7 @@
           <p:cNvPr id="8" name="Straight Connector 7">
             <a:extLst>
               <a:ext uri="{FF2B5EF4-FFF2-40B4-BE49-F238E27FC236}">
-                <a16:creationId xmlns="" xmlns:a16="http://schemas.microsoft.com/office/drawing/2014/main" id="{530E2B91-8399-454D-959E-037C6797FEA7}"/>
+                <a16:creationId xmlns:a16="http://schemas.microsoft.com/office/drawing/2014/main" id="{530E2B91-8399-454D-959E-037C6797FEA7}"/>
               </a:ext>
             </a:extLst>
           </p:cNvPr>
@@ -1728,7 +1739,7 @@
           <p:cNvPr id="6" name="Slide Number Placeholder 5">
             <a:extLst>
               <a:ext uri="{FF2B5EF4-FFF2-40B4-BE49-F238E27FC236}">
-                <a16:creationId xmlns="" xmlns:a16="http://schemas.microsoft.com/office/drawing/2014/main" id="{BDBEB830-4517-3AB1-7B01-3A45DCC142CE}"/>
+                <a16:creationId xmlns:a16="http://schemas.microsoft.com/office/drawing/2014/main" id="{BDBEB830-4517-3AB1-7B01-3A45DCC142CE}"/>
               </a:ext>
             </a:extLst>
           </p:cNvPr>
@@ -1773,7 +1784,7 @@
           <p:cNvPr id="5" name="Footer Placeholder 4">
             <a:extLst>
               <a:ext uri="{FF2B5EF4-FFF2-40B4-BE49-F238E27FC236}">
-                <a16:creationId xmlns="" xmlns:a16="http://schemas.microsoft.com/office/drawing/2014/main" id="{5D90C7AF-3E21-148B-F06B-7731AB052AF6}"/>
+                <a16:creationId xmlns:a16="http://schemas.microsoft.com/office/drawing/2014/main" id="{5D90C7AF-3E21-148B-F06B-7731AB052AF6}"/>
               </a:ext>
             </a:extLst>
           </p:cNvPr>
@@ -1816,7 +1827,7 @@
     </p:spTree>
     <p:extLst>
       <p:ext uri="{BB962C8B-B14F-4D97-AF65-F5344CB8AC3E}">
-        <p14:creationId xmlns:p14="http://schemas.microsoft.com/office/powerpoint/2010/main" xmlns="" val="3874531050"/>
+        <p14:creationId xmlns:p14="http://schemas.microsoft.com/office/powerpoint/2010/main" val="3874531050"/>
       </p:ext>
     </p:extLst>
   </p:cSld>
@@ -1853,7 +1864,7 @@
           <p:cNvPr id="2" name="Title Placeholder 1">
             <a:extLst>
               <a:ext uri="{FF2B5EF4-FFF2-40B4-BE49-F238E27FC236}">
-                <a16:creationId xmlns="" xmlns:a16="http://schemas.microsoft.com/office/drawing/2014/main" id="{558B897A-17D1-B27B-1DB8-DFD38852CCA1}"/>
+                <a16:creationId xmlns:a16="http://schemas.microsoft.com/office/drawing/2014/main" id="{558B897A-17D1-B27B-1DB8-DFD38852CCA1}"/>
               </a:ext>
             </a:extLst>
           </p:cNvPr>
@@ -1892,7 +1903,7 @@
           <p:cNvPr id="3" name="Text Placeholder 2">
             <a:extLst>
               <a:ext uri="{FF2B5EF4-FFF2-40B4-BE49-F238E27FC236}">
-                <a16:creationId xmlns="" xmlns:a16="http://schemas.microsoft.com/office/drawing/2014/main" id="{9832BEE8-B80D-7B86-4F9A-FDC9259CC1B9}"/>
+                <a16:creationId xmlns:a16="http://schemas.microsoft.com/office/drawing/2014/main" id="{9832BEE8-B80D-7B86-4F9A-FDC9259CC1B9}"/>
               </a:ext>
             </a:extLst>
           </p:cNvPr>
@@ -1960,7 +1971,7 @@
           <p:cNvPr id="4" name="Date Placeholder 3">
             <a:extLst>
               <a:ext uri="{FF2B5EF4-FFF2-40B4-BE49-F238E27FC236}">
-                <a16:creationId xmlns="" xmlns:a16="http://schemas.microsoft.com/office/drawing/2014/main" id="{799656D9-AD64-ABF7-63AF-3F1AB219E4A5}"/>
+                <a16:creationId xmlns:a16="http://schemas.microsoft.com/office/drawing/2014/main" id="{799656D9-AD64-ABF7-63AF-3F1AB219E4A5}"/>
               </a:ext>
             </a:extLst>
           </p:cNvPr>
@@ -2003,7 +2014,7 @@
           <p:cNvPr id="5" name="Footer Placeholder 4">
             <a:extLst>
               <a:ext uri="{FF2B5EF4-FFF2-40B4-BE49-F238E27FC236}">
-                <a16:creationId xmlns="" xmlns:a16="http://schemas.microsoft.com/office/drawing/2014/main" id="{7EFF3C15-5E37-54F2-710E-C23D59B1C76C}"/>
+                <a16:creationId xmlns:a16="http://schemas.microsoft.com/office/drawing/2014/main" id="{7EFF3C15-5E37-54F2-710E-C23D59B1C76C}"/>
               </a:ext>
             </a:extLst>
           </p:cNvPr>
@@ -2049,7 +2060,7 @@
           <p:cNvPr id="6" name="Slide Number Placeholder 5">
             <a:extLst>
               <a:ext uri="{FF2B5EF4-FFF2-40B4-BE49-F238E27FC236}">
-                <a16:creationId xmlns="" xmlns:a16="http://schemas.microsoft.com/office/drawing/2014/main" id="{C4750A27-B673-35FE-A6BE-18393CF24C47}"/>
+                <a16:creationId xmlns:a16="http://schemas.microsoft.com/office/drawing/2014/main" id="{C4750A27-B673-35FE-A6BE-18393CF24C47}"/>
               </a:ext>
             </a:extLst>
           </p:cNvPr>
@@ -2095,7 +2106,7 @@
     </p:spTree>
     <p:extLst>
       <p:ext uri="{BB962C8B-B14F-4D97-AF65-F5344CB8AC3E}">
-        <p14:creationId xmlns:p14="http://schemas.microsoft.com/office/powerpoint/2010/main" xmlns="" val="4288786809"/>
+        <p14:creationId xmlns:p14="http://schemas.microsoft.com/office/powerpoint/2010/main" val="4288786809"/>
       </p:ext>
     </p:extLst>
   </p:cSld>
@@ -2500,7 +2511,7 @@
               <a:buNone/>
             </a:pPr>
             <a:r>
-              <a:rPr lang="en-IN" sz="2400" b="1" dirty="0" smtClean="0">
+              <a:rPr lang="en-IN" sz="2400" b="1" dirty="0">
                 <a:solidFill>
                   <a:srgbClr val="CC0099"/>
                 </a:solidFill>
@@ -2510,21 +2521,13 @@
               </a:rPr>
               <a:t>Presented By</a:t>
             </a:r>
-            <a:endParaRPr lang="en-IN" sz="2400" b="1" dirty="0">
-              <a:solidFill>
-                <a:srgbClr val="CC0099"/>
-              </a:solidFill>
-              <a:latin typeface="Cambria" panose="02040503050406030204" pitchFamily="18" charset="0"/>
-              <a:ea typeface="Cambria" panose="02040503050406030204" pitchFamily="18" charset="0"/>
-              <a:cs typeface="Times New Roman" panose="02020603050405020304" pitchFamily="18" charset="0"/>
-            </a:endParaRPr>
           </a:p>
           <a:p>
             <a:pPr marL="0" indent="0" algn="ctr">
               <a:buNone/>
             </a:pPr>
             <a:r>
-              <a:rPr lang="en-IN" sz="2400" b="1" dirty="0" err="1" smtClean="0">
+              <a:rPr lang="en-IN" sz="2400" b="1" dirty="0">
                 <a:solidFill>
                   <a:srgbClr val="0000FF"/>
                 </a:solidFill>
@@ -2532,10 +2535,10 @@
                 <a:ea typeface="Cambria" panose="02040503050406030204" pitchFamily="18" charset="0"/>
                 <a:cs typeface="Times New Roman" panose="02020603050405020304" pitchFamily="18" charset="0"/>
               </a:rPr>
-              <a:t>Aris</a:t>
-            </a:r>
-            <a:r>
-              <a:rPr lang="en-IN" sz="2400" b="1" dirty="0" smtClean="0">
+              <a:t>Aris Kannan A , </a:t>
+            </a:r>
+            <a:r>
+              <a:rPr lang="en-IN" sz="2400" b="1" dirty="0" err="1">
                 <a:solidFill>
                   <a:srgbClr val="0000FF"/>
                 </a:solidFill>
@@ -2543,10 +2546,10 @@
                 <a:ea typeface="Cambria" panose="02040503050406030204" pitchFamily="18" charset="0"/>
                 <a:cs typeface="Times New Roman" panose="02020603050405020304" pitchFamily="18" charset="0"/>
               </a:rPr>
-              <a:t> </a:t>
-            </a:r>
-            <a:r>
-              <a:rPr lang="en-IN" sz="2400" b="1" dirty="0" err="1" smtClean="0">
+              <a:t>Divyan</a:t>
+            </a:r>
+            <a:r>
+              <a:rPr lang="en-IN" sz="2400" b="1" dirty="0">
                 <a:solidFill>
                   <a:srgbClr val="0000FF"/>
                 </a:solidFill>
@@ -2554,10 +2557,10 @@
                 <a:ea typeface="Cambria" panose="02040503050406030204" pitchFamily="18" charset="0"/>
                 <a:cs typeface="Times New Roman" panose="02020603050405020304" pitchFamily="18" charset="0"/>
               </a:rPr>
-              <a:t>Kanna</a:t>
-            </a:r>
-            <a:r>
-              <a:rPr lang="en-IN" sz="2400" b="1" dirty="0" smtClean="0">
+              <a:t> T &amp; </a:t>
+            </a:r>
+            <a:r>
+              <a:rPr lang="en-IN" sz="2400" b="1" dirty="0" err="1">
                 <a:solidFill>
                   <a:srgbClr val="0000FF"/>
                 </a:solidFill>
@@ -2565,10 +2568,10 @@
                 <a:ea typeface="Cambria" panose="02040503050406030204" pitchFamily="18" charset="0"/>
                 <a:cs typeface="Times New Roman" panose="02020603050405020304" pitchFamily="18" charset="0"/>
               </a:rPr>
-              <a:t> </a:t>
-            </a:r>
-            <a:r>
-              <a:rPr lang="en-IN" sz="2400" b="1" dirty="0" smtClean="0">
+              <a:t>Javith</a:t>
+            </a:r>
+            <a:r>
+              <a:rPr lang="en-IN" sz="2400" b="1" dirty="0">
                 <a:solidFill>
                   <a:srgbClr val="0000FF"/>
                 </a:solidFill>
@@ -2576,73 +2579,7 @@
                 <a:ea typeface="Cambria" panose="02040503050406030204" pitchFamily="18" charset="0"/>
                 <a:cs typeface="Times New Roman" panose="02020603050405020304" pitchFamily="18" charset="0"/>
               </a:rPr>
-              <a:t>, </a:t>
-            </a:r>
-            <a:r>
-              <a:rPr lang="en-IN" sz="2400" b="1" dirty="0" err="1" smtClean="0">
-                <a:solidFill>
-                  <a:srgbClr val="0000FF"/>
-                </a:solidFill>
-                <a:latin typeface="Cambria" panose="02040503050406030204" pitchFamily="18" charset="0"/>
-                <a:ea typeface="Cambria" panose="02040503050406030204" pitchFamily="18" charset="0"/>
-                <a:cs typeface="Times New Roman" panose="02020603050405020304" pitchFamily="18" charset="0"/>
-              </a:rPr>
-              <a:t>Divyan</a:t>
-            </a:r>
-            <a:r>
-              <a:rPr lang="en-IN" sz="2400" b="1" dirty="0" smtClean="0">
-                <a:solidFill>
-                  <a:srgbClr val="0000FF"/>
-                </a:solidFill>
-                <a:latin typeface="Cambria" panose="02040503050406030204" pitchFamily="18" charset="0"/>
-                <a:ea typeface="Cambria" panose="02040503050406030204" pitchFamily="18" charset="0"/>
-                <a:cs typeface="Times New Roman" panose="02020603050405020304" pitchFamily="18" charset="0"/>
-              </a:rPr>
-              <a:t> T &amp; </a:t>
-            </a:r>
-            <a:r>
-              <a:rPr lang="en-IN" sz="2400" b="1" dirty="0" err="1" smtClean="0">
-                <a:solidFill>
-                  <a:srgbClr val="0000FF"/>
-                </a:solidFill>
-                <a:latin typeface="Cambria" panose="02040503050406030204" pitchFamily="18" charset="0"/>
-                <a:ea typeface="Cambria" panose="02040503050406030204" pitchFamily="18" charset="0"/>
-                <a:cs typeface="Times New Roman" panose="02020603050405020304" pitchFamily="18" charset="0"/>
-              </a:rPr>
-              <a:t>Javith</a:t>
-            </a:r>
-            <a:r>
-              <a:rPr lang="en-IN" sz="2400" b="1" dirty="0" smtClean="0">
-                <a:solidFill>
-                  <a:srgbClr val="0000FF"/>
-                </a:solidFill>
-                <a:latin typeface="Cambria" panose="02040503050406030204" pitchFamily="18" charset="0"/>
-                <a:ea typeface="Cambria" panose="02040503050406030204" pitchFamily="18" charset="0"/>
-                <a:cs typeface="Times New Roman" panose="02020603050405020304" pitchFamily="18" charset="0"/>
-              </a:rPr>
-              <a:t> </a:t>
-            </a:r>
-            <a:r>
-              <a:rPr lang="en-IN" sz="2400" b="1" dirty="0" err="1" smtClean="0">
-                <a:solidFill>
-                  <a:srgbClr val="0000FF"/>
-                </a:solidFill>
-                <a:latin typeface="Cambria" panose="02040503050406030204" pitchFamily="18" charset="0"/>
-                <a:ea typeface="Cambria" panose="02040503050406030204" pitchFamily="18" charset="0"/>
-                <a:cs typeface="Times New Roman" panose="02020603050405020304" pitchFamily="18" charset="0"/>
-              </a:rPr>
-              <a:t>Ahamed</a:t>
-            </a:r>
-            <a:r>
-              <a:rPr lang="en-IN" sz="2400" b="1" dirty="0" smtClean="0">
-                <a:solidFill>
-                  <a:srgbClr val="0000FF"/>
-                </a:solidFill>
-                <a:latin typeface="Cambria" panose="02040503050406030204" pitchFamily="18" charset="0"/>
-                <a:ea typeface="Cambria" panose="02040503050406030204" pitchFamily="18" charset="0"/>
-                <a:cs typeface="Times New Roman" panose="02020603050405020304" pitchFamily="18" charset="0"/>
-              </a:rPr>
-              <a:t>  </a:t>
+              <a:t> Ahamed  </a:t>
             </a:r>
             <a:endParaRPr lang="en-IN" sz="2400" b="1" baseline="30000" dirty="0">
               <a:solidFill>
@@ -2658,67 +2595,38 @@
               <a:buNone/>
             </a:pPr>
             <a:r>
-              <a:rPr lang="en-IN" sz="2400" dirty="0" smtClean="0">
-                <a:latin typeface="Cambria" panose="02040503050406030204" pitchFamily="18" charset="0"/>
-                <a:ea typeface="Cambria" panose="02040503050406030204" pitchFamily="18" charset="0"/>
-                <a:cs typeface="Times New Roman" panose="02020603050405020304" pitchFamily="18" charset="0"/>
-              </a:rPr>
-              <a:t>Second Year, </a:t>
-            </a:r>
-          </a:p>
-          <a:p>
-            <a:pPr marL="0" indent="0" algn="ctr">
-              <a:buNone/>
-            </a:pPr>
-            <a:r>
-              <a:rPr lang="en-IN" sz="2400" dirty="0" smtClean="0">
-                <a:latin typeface="Cambria" panose="02040503050406030204" pitchFamily="18" charset="0"/>
-                <a:ea typeface="Cambria" panose="02040503050406030204" pitchFamily="18" charset="0"/>
-                <a:cs typeface="Times New Roman" panose="02020603050405020304" pitchFamily="18" charset="0"/>
-              </a:rPr>
-              <a:t>Department </a:t>
-            </a:r>
-            <a:r>
               <a:rPr lang="en-IN" sz="2400" dirty="0">
                 <a:latin typeface="Cambria" panose="02040503050406030204" pitchFamily="18" charset="0"/>
                 <a:ea typeface="Cambria" panose="02040503050406030204" pitchFamily="18" charset="0"/>
                 <a:cs typeface="Times New Roman" panose="02020603050405020304" pitchFamily="18" charset="0"/>
               </a:rPr>
-              <a:t>of Information Technology, </a:t>
-            </a:r>
-            <a:endParaRPr lang="en-IN" sz="2400" dirty="0" smtClean="0">
-              <a:latin typeface="Cambria" panose="02040503050406030204" pitchFamily="18" charset="0"/>
-              <a:ea typeface="Cambria" panose="02040503050406030204" pitchFamily="18" charset="0"/>
-              <a:cs typeface="Times New Roman" panose="02020603050405020304" pitchFamily="18" charset="0"/>
-            </a:endParaRPr>
+              <a:t>Third Year, </a:t>
+            </a:r>
           </a:p>
           <a:p>
             <a:pPr marL="0" indent="0" algn="ctr">
               <a:buNone/>
             </a:pPr>
-            <a:r>
-              <a:rPr lang="en-IN" sz="2400" dirty="0" smtClean="0">
-                <a:latin typeface="Cambria" panose="02040503050406030204" pitchFamily="18" charset="0"/>
-                <a:ea typeface="Cambria" panose="02040503050406030204" pitchFamily="18" charset="0"/>
-                <a:cs typeface="Times New Roman" panose="02020603050405020304" pitchFamily="18" charset="0"/>
-              </a:rPr>
-              <a:t>E.G.S</a:t>
-            </a:r>
             <a:r>
               <a:rPr lang="en-IN" sz="2400" dirty="0">
                 <a:latin typeface="Cambria" panose="02040503050406030204" pitchFamily="18" charset="0"/>
                 <a:ea typeface="Cambria" panose="02040503050406030204" pitchFamily="18" charset="0"/>
                 <a:cs typeface="Times New Roman" panose="02020603050405020304" pitchFamily="18" charset="0"/>
               </a:rPr>
-              <a:t>. Pillay Engineering </a:t>
-            </a:r>
-            <a:r>
-              <a:rPr lang="en-IN" sz="2400" dirty="0" smtClean="0">
+              <a:t>Department of Information Technology, </a:t>
+            </a:r>
+          </a:p>
+          <a:p>
+            <a:pPr marL="0" indent="0" algn="ctr">
+              <a:buNone/>
+            </a:pPr>
+            <a:r>
+              <a:rPr lang="en-IN" sz="2400" dirty="0">
                 <a:latin typeface="Cambria" panose="02040503050406030204" pitchFamily="18" charset="0"/>
                 <a:ea typeface="Cambria" panose="02040503050406030204" pitchFamily="18" charset="0"/>
                 <a:cs typeface="Times New Roman" panose="02020603050405020304" pitchFamily="18" charset="0"/>
               </a:rPr>
-              <a:t>College</a:t>
+              <a:t>E.G.S. Pillay Engineering College</a:t>
             </a:r>
           </a:p>
           <a:p>
@@ -2726,7 +2634,7 @@
               <a:buNone/>
             </a:pPr>
             <a:r>
-              <a:rPr lang="en-IN" sz="2400" b="1" dirty="0" smtClean="0">
+              <a:rPr lang="en-IN" sz="2400" b="1" dirty="0">
                 <a:solidFill>
                   <a:srgbClr val="CC0099"/>
                 </a:solidFill>
@@ -2742,7 +2650,7 @@
               <a:buNone/>
             </a:pPr>
             <a:r>
-              <a:rPr lang="en-IN" sz="2400" b="1" dirty="0" smtClean="0">
+              <a:rPr lang="en-IN" sz="2400" b="1" dirty="0">
                 <a:solidFill>
                   <a:srgbClr val="0000FF"/>
                 </a:solidFill>
@@ -2750,50 +2658,20 @@
                 <a:ea typeface="Cambria" panose="02040503050406030204" pitchFamily="18" charset="0"/>
                 <a:cs typeface="Times New Roman" panose="02020603050405020304" pitchFamily="18" charset="0"/>
               </a:rPr>
-              <a:t>Ms V. Surya</a:t>
-            </a:r>
-            <a:r>
-              <a:rPr lang="en-IN" sz="2400" b="1" dirty="0" smtClean="0">
-                <a:solidFill>
-                  <a:srgbClr val="0000FF"/>
-                </a:solidFill>
-                <a:latin typeface="Cambria" panose="02040503050406030204" pitchFamily="18" charset="0"/>
-                <a:ea typeface="Cambria" panose="02040503050406030204" pitchFamily="18" charset="0"/>
-                <a:cs typeface="Times New Roman" panose="02020603050405020304" pitchFamily="18" charset="0"/>
-              </a:rPr>
-              <a:t>, </a:t>
-            </a:r>
-            <a:r>
-              <a:rPr lang="en-IN" sz="2400" b="1" dirty="0" smtClean="0">
-                <a:solidFill>
-                  <a:srgbClr val="0000FF"/>
-                </a:solidFill>
-                <a:latin typeface="Cambria" panose="02040503050406030204" pitchFamily="18" charset="0"/>
-                <a:ea typeface="Cambria" panose="02040503050406030204" pitchFamily="18" charset="0"/>
-                <a:cs typeface="Times New Roman" panose="02020603050405020304" pitchFamily="18" charset="0"/>
-              </a:rPr>
-              <a:t>AP/IT</a:t>
+              <a:t>Ms V. Surya, AP/IT</a:t>
             </a:r>
           </a:p>
           <a:p>
             <a:pPr marL="0" indent="0" algn="ctr">
               <a:buNone/>
             </a:pPr>
-            <a:r>
-              <a:rPr lang="en-IN" sz="2400" dirty="0" smtClean="0">
-                <a:latin typeface="Cambria" panose="02040503050406030204" pitchFamily="18" charset="0"/>
-                <a:ea typeface="Cambria" panose="02040503050406030204" pitchFamily="18" charset="0"/>
-                <a:cs typeface="Times New Roman" panose="02020603050405020304" pitchFamily="18" charset="0"/>
-              </a:rPr>
-              <a:t>Department </a:t>
-            </a:r>
             <a:r>
               <a:rPr lang="en-IN" sz="2400" dirty="0">
                 <a:latin typeface="Cambria" panose="02040503050406030204" pitchFamily="18" charset="0"/>
                 <a:ea typeface="Cambria" panose="02040503050406030204" pitchFamily="18" charset="0"/>
                 <a:cs typeface="Times New Roman" panose="02020603050405020304" pitchFamily="18" charset="0"/>
               </a:rPr>
-              <a:t>of Information Technology, </a:t>
+              <a:t>Department of Information Technology, </a:t>
             </a:r>
           </a:p>
           <a:p>
@@ -2861,7 +2739,7 @@
           <a:blip r:embed="rId3" cstate="print">
             <a:extLst>
               <a:ext uri="{28A0092B-C50C-407E-A947-70E740481C1C}">
-                <a14:useLocalDpi xmlns:a14="http://schemas.microsoft.com/office/drawing/2010/main" xmlns="" val="0"/>
+                <a14:useLocalDpi xmlns:a14="http://schemas.microsoft.com/office/drawing/2010/main" val="0"/>
               </a:ext>
             </a:extLst>
           </a:blip>
@@ -2881,7 +2759,7 @@
           <a:noFill/>
           <a:extLst>
             <a:ext uri="{909E8E84-426E-40DD-AFC4-6F175D3DCCD1}">
-              <a14:hiddenFill xmlns:a14="http://schemas.microsoft.com/office/drawing/2010/main" xmlns="">
+              <a14:hiddenFill xmlns:a14="http://schemas.microsoft.com/office/drawing/2010/main">
                 <a:solidFill>
                   <a:srgbClr val="FFFFFF"/>
                 </a:solidFill>
@@ -2893,7 +2771,7 @@
     </p:spTree>
     <p:extLst>
       <p:ext uri="{BB962C8B-B14F-4D97-AF65-F5344CB8AC3E}">
-        <p14:creationId xmlns:p14="http://schemas.microsoft.com/office/powerpoint/2010/main" xmlns="" val="285788276"/>
+        <p14:creationId xmlns:p14="http://schemas.microsoft.com/office/powerpoint/2010/main" val="285788276"/>
       </p:ext>
     </p:extLst>
   </p:cSld>
@@ -2925,7 +2803,7 @@
           <p:cNvPr id="2" name="Title 1">
             <a:extLst>
               <a:ext uri="{FF2B5EF4-FFF2-40B4-BE49-F238E27FC236}">
-                <a16:creationId xmlns="" xmlns:a16="http://schemas.microsoft.com/office/drawing/2014/main" id="{E1F8FE63-5EED-0291-2DAE-16B17A11E5C1}"/>
+                <a16:creationId xmlns:a16="http://schemas.microsoft.com/office/drawing/2014/main" id="{E1F8FE63-5EED-0291-2DAE-16B17A11E5C1}"/>
               </a:ext>
             </a:extLst>
           </p:cNvPr>
@@ -2945,16 +2823,12 @@
           <a:p>
             <a:pPr lvl="0" algn="ctr"/>
             <a:r>
-              <a:rPr lang="en-US" sz="2800" b="1" dirty="0" smtClean="0">
+              <a:rPr lang="en-US" sz="2800" b="1" dirty="0">
                 <a:latin typeface="Times New Roman" pitchFamily="18" charset="0"/>
                 <a:cs typeface="Times New Roman" pitchFamily="18" charset="0"/>
               </a:rPr>
               <a:t>RESULT AND DISCUSSION</a:t>
             </a:r>
-            <a:endParaRPr lang="en-US" sz="2800" b="1" dirty="0">
-              <a:latin typeface="Times New Roman" pitchFamily="18" charset="0"/>
-              <a:cs typeface="Times New Roman" pitchFamily="18" charset="0"/>
-            </a:endParaRPr>
           </a:p>
         </p:txBody>
       </p:sp>
@@ -2963,7 +2837,7 @@
           <p:cNvPr id="6" name="Footer Placeholder 5">
             <a:extLst>
               <a:ext uri="{FF2B5EF4-FFF2-40B4-BE49-F238E27FC236}">
-                <a16:creationId xmlns="" xmlns:a16="http://schemas.microsoft.com/office/drawing/2014/main" id="{34B41821-154F-B082-FD11-BD07669AE818}"/>
+                <a16:creationId xmlns:a16="http://schemas.microsoft.com/office/drawing/2014/main" id="{34B41821-154F-B082-FD11-BD07669AE818}"/>
               </a:ext>
             </a:extLst>
           </p:cNvPr>
@@ -2992,7 +2866,7 @@
           <p:cNvPr id="7" name="Slide Number Placeholder 6">
             <a:extLst>
               <a:ext uri="{FF2B5EF4-FFF2-40B4-BE49-F238E27FC236}">
-                <a16:creationId xmlns="" xmlns:a16="http://schemas.microsoft.com/office/drawing/2014/main" id="{12D715C5-FD7E-1BFA-CF43-53F99A3485C1}"/>
+                <a16:creationId xmlns:a16="http://schemas.microsoft.com/office/drawing/2014/main" id="{12D715C5-FD7E-1BFA-CF43-53F99A3485C1}"/>
               </a:ext>
             </a:extLst>
           </p:cNvPr>
@@ -3024,7 +2898,7 @@
           <p:nvPr/>
         </p:nvPicPr>
         <p:blipFill>
-          <a:blip r:embed="rId4" cstate="print"/>
+          <a:blip r:embed="rId5" cstate="print"/>
           <a:stretch>
             <a:fillRect/>
           </a:stretch>
@@ -3046,10 +2920,10 @@
           <p:nvPr/>
         </p:nvPicPr>
         <p:blipFill>
-          <a:blip r:embed="rId5" cstate="print">
+          <a:blip r:embed="rId6" cstate="print">
             <a:extLst>
               <a:ext uri="{28A0092B-C50C-407E-A947-70E740481C1C}">
-                <a14:useLocalDpi xmlns:a14="http://schemas.microsoft.com/office/drawing/2010/main" xmlns="" val="0"/>
+                <a14:useLocalDpi xmlns:a14="http://schemas.microsoft.com/office/drawing/2010/main" val="0"/>
               </a:ext>
             </a:extLst>
           </a:blip>
@@ -3078,10 +2952,10 @@
           <p:nvPr/>
         </p:nvPicPr>
         <p:blipFill>
-          <a:blip r:embed="rId6" cstate="print">
+          <a:blip r:embed="rId7" cstate="print">
             <a:extLst>
               <a:ext uri="{28A0092B-C50C-407E-A947-70E740481C1C}">
-                <a14:useLocalDpi xmlns:a14="http://schemas.microsoft.com/office/drawing/2010/main" xmlns="" val="0"/>
+                <a14:useLocalDpi xmlns:a14="http://schemas.microsoft.com/office/drawing/2010/main" val="0"/>
               </a:ext>
             </a:extLst>
           </a:blip>
@@ -3298,10 +3172,10 @@
             <a:picLocks noChangeAspect="1"/>
           </p:cNvPicPr>
           <p:nvPr>
-            <a:audioFile r:link="rId1"/>
+            <a:audioFile r:link="rId2"/>
             <p:extLst>
               <p:ext uri="{DAA4B4D4-6D71-4841-9C94-3DE7FCFB9230}">
-                <p14:media xmlns:p14="http://schemas.microsoft.com/office/powerpoint/2010/main" xmlns="" r:embed="rId7"/>
+                <p14:media xmlns:p14="http://schemas.microsoft.com/office/powerpoint/2010/main" r:embed="rId1"/>
               </p:ext>
             </p:extLst>
           </p:nvPr>
@@ -3325,18 +3199,18 @@
     </p:spTree>
     <p:extLst>
       <p:ext uri="{BB962C8B-B14F-4D97-AF65-F5344CB8AC3E}">
-        <p14:creationId xmlns:p14="http://schemas.microsoft.com/office/powerpoint/2010/main" xmlns="" val="3528828126"/>
+        <p14:creationId xmlns:p14="http://schemas.microsoft.com/office/powerpoint/2010/main" val="3528828126"/>
       </p:ext>
     </p:extLst>
   </p:cSld>
   <p:clrMapOvr>
     <a:masterClrMapping/>
   </p:clrMapOvr>
-  <mc:AlternateContent xmlns:mc="http://schemas.openxmlformats.org/markup-compatibility/2006">
-    <mc:Choice xmlns:p14="http://schemas.microsoft.com/office/powerpoint/2010/main" xmlns="" Requires="p14">
+  <mc:AlternateContent xmlns:mc="http://schemas.openxmlformats.org/markup-compatibility/2006" xmlns:p14="http://schemas.microsoft.com/office/powerpoint/2010/main">
+    <mc:Choice Requires="p14">
       <p:transition spd="slow" p14:dur="2000" advTm="3"/>
     </mc:Choice>
-    <mc:Fallback>
+    <mc:Fallback xmlns="">
       <p:transition spd="slow" advTm="3"/>
     </mc:Fallback>
   </mc:AlternateContent>
@@ -3452,7 +3326,7 @@
           <p:cNvPr id="2" name="Title 1">
             <a:extLst>
               <a:ext uri="{FF2B5EF4-FFF2-40B4-BE49-F238E27FC236}">
-                <a16:creationId xmlns="" xmlns:a16="http://schemas.microsoft.com/office/drawing/2014/main" id="{E1F8FE63-5EED-0291-2DAE-16B17A11E5C1}"/>
+                <a16:creationId xmlns:a16="http://schemas.microsoft.com/office/drawing/2014/main" id="{E1F8FE63-5EED-0291-2DAE-16B17A11E5C1}"/>
               </a:ext>
             </a:extLst>
           </p:cNvPr>
@@ -3472,16 +3346,12 @@
           <a:p>
             <a:pPr lvl="0" algn="ctr"/>
             <a:r>
-              <a:rPr lang="en-US" sz="2800" b="1" dirty="0" smtClean="0">
+              <a:rPr lang="en-US" sz="2800" b="1" dirty="0">
                 <a:latin typeface="Times New Roman" pitchFamily="18" charset="0"/>
                 <a:cs typeface="Times New Roman" pitchFamily="18" charset="0"/>
               </a:rPr>
               <a:t>REFERENCES</a:t>
             </a:r>
-            <a:endParaRPr lang="en-US" sz="2800" b="1" dirty="0">
-              <a:latin typeface="Times New Roman" pitchFamily="18" charset="0"/>
-              <a:cs typeface="Times New Roman" pitchFamily="18" charset="0"/>
-            </a:endParaRPr>
           </a:p>
         </p:txBody>
       </p:sp>
@@ -3490,7 +3360,7 @@
           <p:cNvPr id="3" name="Content Placeholder 2">
             <a:extLst>
               <a:ext uri="{FF2B5EF4-FFF2-40B4-BE49-F238E27FC236}">
-                <a16:creationId xmlns="" xmlns:a16="http://schemas.microsoft.com/office/drawing/2014/main" id="{5671DC27-67F7-69F1-A029-DE604160C7E5}"/>
+                <a16:creationId xmlns:a16="http://schemas.microsoft.com/office/drawing/2014/main" id="{5671DC27-67F7-69F1-A029-DE604160C7E5}"/>
               </a:ext>
             </a:extLst>
           </p:cNvPr>
@@ -3517,7 +3387,7 @@
               <a:buNone/>
             </a:pPr>
             <a:r>
-              <a:rPr lang="en-US" sz="2400" dirty="0" smtClean="0">
+              <a:rPr lang="en-US" sz="2400" dirty="0">
                 <a:solidFill>
                   <a:srgbClr val="D60093"/>
                 </a:solidFill>
@@ -3544,7 +3414,7 @@
           <p:cNvPr id="6" name="Footer Placeholder 5">
             <a:extLst>
               <a:ext uri="{FF2B5EF4-FFF2-40B4-BE49-F238E27FC236}">
-                <a16:creationId xmlns="" xmlns:a16="http://schemas.microsoft.com/office/drawing/2014/main" id="{34B41821-154F-B082-FD11-BD07669AE818}"/>
+                <a16:creationId xmlns:a16="http://schemas.microsoft.com/office/drawing/2014/main" id="{34B41821-154F-B082-FD11-BD07669AE818}"/>
               </a:ext>
             </a:extLst>
           </p:cNvPr>
@@ -3573,7 +3443,7 @@
           <p:cNvPr id="7" name="Slide Number Placeholder 6">
             <a:extLst>
               <a:ext uri="{FF2B5EF4-FFF2-40B4-BE49-F238E27FC236}">
-                <a16:creationId xmlns="" xmlns:a16="http://schemas.microsoft.com/office/drawing/2014/main" id="{12D715C5-FD7E-1BFA-CF43-53F99A3485C1}"/>
+                <a16:creationId xmlns:a16="http://schemas.microsoft.com/office/drawing/2014/main" id="{12D715C5-FD7E-1BFA-CF43-53F99A3485C1}"/>
               </a:ext>
             </a:extLst>
           </p:cNvPr>
@@ -3796,7 +3666,7 @@
               </a:tabLst>
             </a:pPr>
             <a:r>
-              <a:rPr lang="en-US" dirty="0" err="1" smtClean="0">
+              <a:rPr lang="en-US" dirty="0" err="1">
                 <a:latin typeface="Times New Roman" panose="02020603050405020304" pitchFamily="18" charset="0"/>
                 <a:ea typeface="Times New Roman" panose="02020603050405020304" pitchFamily="18" charset="0"/>
               </a:rPr>
@@ -4117,14 +3987,7 @@
                 <a:latin typeface="Times New Roman" panose="02020603050405020304" pitchFamily="18" charset="0"/>
                 <a:ea typeface="Times New Roman" panose="02020603050405020304" pitchFamily="18" charset="0"/>
               </a:rPr>
-              <a:t>, 10(12):1744</a:t>
-            </a:r>
-            <a:r>
-              <a:rPr lang="en-US" dirty="0" smtClean="0">
-                <a:latin typeface="Times New Roman" panose="02020603050405020304" pitchFamily="18" charset="0"/>
-                <a:ea typeface="Times New Roman" panose="02020603050405020304" pitchFamily="18" charset="0"/>
-              </a:rPr>
-              <a:t>.</a:t>
+              <a:t>, 10(12):1744.</a:t>
             </a:r>
             <a:endParaRPr lang="en-IN" dirty="0">
               <a:latin typeface="Times New Roman" panose="02020603050405020304" pitchFamily="18" charset="0"/>
@@ -4142,10 +4005,10 @@
             <a:picLocks noChangeAspect="1"/>
           </p:cNvPicPr>
           <p:nvPr>
-            <a:audioFile r:link="rId1"/>
+            <a:audioFile r:link="rId2"/>
             <p:extLst>
               <p:ext uri="{DAA4B4D4-6D71-4841-9C94-3DE7FCFB9230}">
-                <p14:media xmlns:p14="http://schemas.microsoft.com/office/powerpoint/2010/main" xmlns="" r:embed="rId4"/>
+                <p14:media xmlns:p14="http://schemas.microsoft.com/office/powerpoint/2010/main" r:embed="rId1"/>
               </p:ext>
             </p:extLst>
           </p:nvPr>
@@ -4169,18 +4032,18 @@
     </p:spTree>
     <p:extLst>
       <p:ext uri="{BB962C8B-B14F-4D97-AF65-F5344CB8AC3E}">
-        <p14:creationId xmlns:p14="http://schemas.microsoft.com/office/powerpoint/2010/main" xmlns="" val="977745608"/>
+        <p14:creationId xmlns:p14="http://schemas.microsoft.com/office/powerpoint/2010/main" val="977745608"/>
       </p:ext>
     </p:extLst>
   </p:cSld>
   <p:clrMapOvr>
     <a:masterClrMapping/>
   </p:clrMapOvr>
-  <mc:AlternateContent xmlns:mc="http://schemas.openxmlformats.org/markup-compatibility/2006">
-    <mc:Choice xmlns:p14="http://schemas.microsoft.com/office/powerpoint/2010/main" xmlns="" Requires="p14">
+  <mc:AlternateContent xmlns:mc="http://schemas.openxmlformats.org/markup-compatibility/2006" xmlns:p14="http://schemas.microsoft.com/office/powerpoint/2010/main">
+    <mc:Choice Requires="p14">
       <p:transition spd="slow" p14:dur="2000" advTm="918"/>
     </mc:Choice>
-    <mc:Fallback>
+    <mc:Fallback xmlns="">
       <p:transition spd="slow" advTm="918"/>
     </mc:Fallback>
   </mc:AlternateContent>
@@ -4296,7 +4159,7 @@
           <p:cNvPr id="2" name="Title 1">
             <a:extLst>
               <a:ext uri="{FF2B5EF4-FFF2-40B4-BE49-F238E27FC236}">
-                <a16:creationId xmlns="" xmlns:a16="http://schemas.microsoft.com/office/drawing/2014/main" id="{E1F8FE63-5EED-0291-2DAE-16B17A11E5C1}"/>
+                <a16:creationId xmlns:a16="http://schemas.microsoft.com/office/drawing/2014/main" id="{E1F8FE63-5EED-0291-2DAE-16B17A11E5C1}"/>
               </a:ext>
             </a:extLst>
           </p:cNvPr>
@@ -4316,7 +4179,7 @@
           <a:p>
             <a:pPr algn="ctr"/>
             <a:r>
-              <a:rPr lang="en-US" sz="2800" b="1" dirty="0" smtClean="0">
+              <a:rPr lang="en-US" sz="2800" b="1" dirty="0">
                 <a:latin typeface="Times New Roman" panose="02020603050405020304" pitchFamily="18" charset="0"/>
                 <a:cs typeface="Times New Roman" panose="02020603050405020304" pitchFamily="18" charset="0"/>
               </a:rPr>
@@ -4331,7 +4194,7 @@
           <p:cNvPr id="3" name="Content Placeholder 2">
             <a:extLst>
               <a:ext uri="{FF2B5EF4-FFF2-40B4-BE49-F238E27FC236}">
-                <a16:creationId xmlns="" xmlns:a16="http://schemas.microsoft.com/office/drawing/2014/main" id="{5671DC27-67F7-69F1-A029-DE604160C7E5}"/>
+                <a16:creationId xmlns:a16="http://schemas.microsoft.com/office/drawing/2014/main" id="{5671DC27-67F7-69F1-A029-DE604160C7E5}"/>
               </a:ext>
             </a:extLst>
           </p:cNvPr>
@@ -4370,7 +4233,7 @@
           <p:cNvPr id="7" name="Slide Number Placeholder 6">
             <a:extLst>
               <a:ext uri="{FF2B5EF4-FFF2-40B4-BE49-F238E27FC236}">
-                <a16:creationId xmlns="" xmlns:a16="http://schemas.microsoft.com/office/drawing/2014/main" id="{12D715C5-FD7E-1BFA-CF43-53F99A3485C1}"/>
+                <a16:creationId xmlns:a16="http://schemas.microsoft.com/office/drawing/2014/main" id="{12D715C5-FD7E-1BFA-CF43-53F99A3485C1}"/>
               </a:ext>
             </a:extLst>
           </p:cNvPr>
@@ -4428,14 +4291,7 @@
                 <a:latin typeface="Times New Roman" panose="02020603050405020304" pitchFamily="18" charset="0"/>
                 <a:cs typeface="Times New Roman" panose="02020603050405020304" pitchFamily="18" charset="0"/>
               </a:rPr>
-              <a:t>Water is </a:t>
-            </a:r>
-            <a:r>
-              <a:rPr lang="en-US" sz="2200" dirty="0" smtClean="0">
-                <a:latin typeface="Times New Roman" panose="02020603050405020304" pitchFamily="18" charset="0"/>
-                <a:cs typeface="Times New Roman" panose="02020603050405020304" pitchFamily="18" charset="0"/>
-              </a:rPr>
-              <a:t>the </a:t>
+              <a:t>Water is the </a:t>
             </a:r>
             <a:r>
               <a:rPr lang="en-US" sz="2200" dirty="0">
@@ -4445,20 +4301,10 @@
                 <a:latin typeface="Times New Roman" panose="02020603050405020304" pitchFamily="18" charset="0"/>
                 <a:cs typeface="Times New Roman" panose="02020603050405020304" pitchFamily="18" charset="0"/>
               </a:rPr>
-              <a:t>international </a:t>
-            </a:r>
-            <a:r>
-              <a:rPr lang="en-US" sz="2200" dirty="0" smtClean="0">
-                <a:solidFill>
-                  <a:srgbClr val="0000FF"/>
-                </a:solidFill>
-                <a:latin typeface="Times New Roman" panose="02020603050405020304" pitchFamily="18" charset="0"/>
-                <a:cs typeface="Times New Roman" panose="02020603050405020304" pitchFamily="18" charset="0"/>
-              </a:rPr>
-              <a:t>solvent</a:t>
-            </a:r>
-            <a:r>
-              <a:rPr lang="en-US" sz="2200" dirty="0" smtClean="0">
+              <a:t>international solvent</a:t>
+            </a:r>
+            <a:r>
+              <a:rPr lang="en-US" sz="2200" dirty="0">
                 <a:latin typeface="Times New Roman" panose="02020603050405020304" pitchFamily="18" charset="0"/>
                 <a:cs typeface="Times New Roman" panose="02020603050405020304" pitchFamily="18" charset="0"/>
               </a:rPr>
@@ -4474,18 +4320,11 @@
               <a:buChar char="•"/>
             </a:pPr>
             <a:r>
-              <a:rPr lang="en-US" sz="2200" dirty="0" smtClean="0">
-                <a:latin typeface="Times New Roman" panose="02020603050405020304" pitchFamily="18" charset="0"/>
-                <a:cs typeface="Times New Roman" panose="02020603050405020304" pitchFamily="18" charset="0"/>
-              </a:rPr>
-              <a:t>Safe </a:t>
-            </a:r>
-            <a:r>
               <a:rPr lang="en-US" sz="2200" dirty="0">
                 <a:latin typeface="Times New Roman" panose="02020603050405020304" pitchFamily="18" charset="0"/>
                 <a:cs typeface="Times New Roman" panose="02020603050405020304" pitchFamily="18" charset="0"/>
               </a:rPr>
-              <a:t>water service is </a:t>
+              <a:t>Safe water service is </a:t>
             </a:r>
             <a:r>
               <a:rPr lang="en-US" sz="2200" dirty="0">
@@ -4495,17 +4334,7 @@
                 <a:latin typeface="Times New Roman" panose="02020603050405020304" pitchFamily="18" charset="0"/>
                 <a:cs typeface="Times New Roman" panose="02020603050405020304" pitchFamily="18" charset="0"/>
               </a:rPr>
-              <a:t>a safely distributed drinking </a:t>
-            </a:r>
-            <a:r>
-              <a:rPr lang="en-US" sz="2200" dirty="0" smtClean="0">
-                <a:solidFill>
-                  <a:srgbClr val="CC0099"/>
-                </a:solidFill>
-                <a:latin typeface="Times New Roman" panose="02020603050405020304" pitchFamily="18" charset="0"/>
-                <a:cs typeface="Times New Roman" panose="02020603050405020304" pitchFamily="18" charset="0"/>
-              </a:rPr>
-              <a:t>water.</a:t>
+              <a:t>a safely distributed drinking water.</a:t>
             </a:r>
           </a:p>
           <a:p>
@@ -4517,18 +4346,11 @@
               <a:buChar char="•"/>
             </a:pPr>
             <a:r>
-              <a:rPr lang="en-US" sz="2200" dirty="0" smtClean="0">
-                <a:latin typeface="Times New Roman" panose="02020603050405020304" pitchFamily="18" charset="0"/>
-                <a:cs typeface="Times New Roman" panose="02020603050405020304" pitchFamily="18" charset="0"/>
-              </a:rPr>
-              <a:t>Quality monitoring </a:t>
-            </a:r>
-            <a:r>
               <a:rPr lang="en-US" sz="2200" dirty="0">
                 <a:latin typeface="Times New Roman" panose="02020603050405020304" pitchFamily="18" charset="0"/>
                 <a:cs typeface="Times New Roman" panose="02020603050405020304" pitchFamily="18" charset="0"/>
               </a:rPr>
-              <a:t>is </a:t>
+              <a:t>Quality monitoring is </a:t>
             </a:r>
             <a:r>
               <a:rPr lang="en-US" sz="2200" dirty="0">
@@ -4538,40 +4360,10 @@
                 <a:latin typeface="Times New Roman" panose="02020603050405020304" pitchFamily="18" charset="0"/>
                 <a:cs typeface="Times New Roman" panose="02020603050405020304" pitchFamily="18" charset="0"/>
               </a:rPr>
-              <a:t>an important </a:t>
-            </a:r>
-            <a:r>
-              <a:rPr lang="en-US" sz="2200" dirty="0" smtClean="0">
-                <a:solidFill>
-                  <a:srgbClr val="0000FF"/>
-                </a:solidFill>
-                <a:latin typeface="Times New Roman" panose="02020603050405020304" pitchFamily="18" charset="0"/>
-                <a:cs typeface="Times New Roman" panose="02020603050405020304" pitchFamily="18" charset="0"/>
-              </a:rPr>
-              <a:t>part of </a:t>
+              <a:t>an important part of the potable water supply and management system</a:t>
             </a:r>
             <a:r>
               <a:rPr lang="en-US" sz="2200" dirty="0">
-                <a:solidFill>
-                  <a:srgbClr val="0000FF"/>
-                </a:solidFill>
-                <a:latin typeface="Times New Roman" panose="02020603050405020304" pitchFamily="18" charset="0"/>
-                <a:cs typeface="Times New Roman" panose="02020603050405020304" pitchFamily="18" charset="0"/>
-              </a:rPr>
-              <a:t>the potable water supply and </a:t>
-            </a:r>
-            <a:r>
-              <a:rPr lang="en-US" sz="2200" dirty="0" smtClean="0">
-                <a:solidFill>
-                  <a:srgbClr val="0000FF"/>
-                </a:solidFill>
-                <a:latin typeface="Times New Roman" panose="02020603050405020304" pitchFamily="18" charset="0"/>
-                <a:cs typeface="Times New Roman" panose="02020603050405020304" pitchFamily="18" charset="0"/>
-              </a:rPr>
-              <a:t>management system</a:t>
-            </a:r>
-            <a:r>
-              <a:rPr lang="en-US" sz="2200" dirty="0" smtClean="0">
                 <a:latin typeface="Times New Roman" panose="02020603050405020304" pitchFamily="18" charset="0"/>
                 <a:cs typeface="Times New Roman" panose="02020603050405020304" pitchFamily="18" charset="0"/>
               </a:rPr>
@@ -4587,18 +4379,11 @@
               <a:buChar char="•"/>
             </a:pPr>
             <a:r>
-              <a:rPr lang="en-US" sz="2200" dirty="0" smtClean="0">
-                <a:latin typeface="Times New Roman" panose="02020603050405020304" pitchFamily="18" charset="0"/>
-                <a:cs typeface="Times New Roman" panose="02020603050405020304" pitchFamily="18" charset="0"/>
-              </a:rPr>
-              <a:t>In </a:t>
-            </a:r>
-            <a:r>
               <a:rPr lang="en-US" sz="2200" dirty="0">
                 <a:latin typeface="Times New Roman" panose="02020603050405020304" pitchFamily="18" charset="0"/>
                 <a:cs typeface="Times New Roman" panose="02020603050405020304" pitchFamily="18" charset="0"/>
               </a:rPr>
-              <a:t>this process, </a:t>
+              <a:t>In this process, </a:t>
             </a:r>
             <a:r>
               <a:rPr lang="en-US" sz="2200" dirty="0">
@@ -4617,10 +4402,6 @@
               </a:rPr>
               <a:t>to provide data that may be used to reveal present conditions, create trends, etc. </a:t>
             </a:r>
-            <a:endParaRPr lang="en-US" sz="2200" dirty="0" smtClean="0">
-              <a:latin typeface="Times New Roman" panose="02020603050405020304" pitchFamily="18" charset="0"/>
-              <a:cs typeface="Times New Roman" panose="02020603050405020304" pitchFamily="18" charset="0"/>
-            </a:endParaRPr>
           </a:p>
           <a:p>
             <a:pPr marL="285750" indent="-285750" algn="just">
@@ -4631,18 +4412,11 @@
               <a:buChar char="•"/>
             </a:pPr>
             <a:r>
-              <a:rPr lang="en-US" sz="2200" dirty="0" smtClean="0">
-                <a:latin typeface="Times New Roman" panose="02020603050405020304" pitchFamily="18" charset="0"/>
-                <a:cs typeface="Times New Roman" panose="02020603050405020304" pitchFamily="18" charset="0"/>
-              </a:rPr>
-              <a:t>Measuring </a:t>
-            </a:r>
-            <a:r>
               <a:rPr lang="en-US" sz="2200" dirty="0">
                 <a:latin typeface="Times New Roman" panose="02020603050405020304" pitchFamily="18" charset="0"/>
                 <a:cs typeface="Times New Roman" panose="02020603050405020304" pitchFamily="18" charset="0"/>
               </a:rPr>
-              <a:t>and collecting water quality data is a </a:t>
+              <a:t>Measuring and collecting water quality data is a </a:t>
             </a:r>
             <a:r>
               <a:rPr lang="en-US" sz="2200" dirty="0">
@@ -4654,13 +4428,6 @@
               </a:rPr>
               <a:t>challenging problem </a:t>
             </a:r>
-            <a:endParaRPr lang="en-US" sz="2200" dirty="0" smtClean="0">
-              <a:solidFill>
-                <a:srgbClr val="0000FF"/>
-              </a:solidFill>
-              <a:latin typeface="Times New Roman" panose="02020603050405020304" pitchFamily="18" charset="0"/>
-              <a:cs typeface="Times New Roman" panose="02020603050405020304" pitchFamily="18" charset="0"/>
-            </a:endParaRPr>
           </a:p>
           <a:p>
             <a:pPr marL="285750" indent="-285750" algn="just">
@@ -4671,18 +4438,11 @@
               <a:buChar char="•"/>
             </a:pPr>
             <a:r>
-              <a:rPr lang="en-US" sz="2200" dirty="0" smtClean="0">
-                <a:latin typeface="Times New Roman" panose="02020603050405020304" pitchFamily="18" charset="0"/>
-                <a:cs typeface="Times New Roman" panose="02020603050405020304" pitchFamily="18" charset="0"/>
-              </a:rPr>
-              <a:t>Monitoring </a:t>
-            </a:r>
-            <a:r>
               <a:rPr lang="en-US" sz="2200" dirty="0">
                 <a:latin typeface="Times New Roman" panose="02020603050405020304" pitchFamily="18" charset="0"/>
                 <a:cs typeface="Times New Roman" panose="02020603050405020304" pitchFamily="18" charset="0"/>
               </a:rPr>
-              <a:t>of water quality provides a pragmatic basis by measuring </a:t>
+              <a:t>Monitoring of water quality provides a pragmatic basis by measuring </a:t>
             </a:r>
             <a:r>
               <a:rPr lang="en-US" sz="2200" dirty="0">
@@ -4692,17 +4452,7 @@
                 <a:latin typeface="Times New Roman" panose="02020603050405020304" pitchFamily="18" charset="0"/>
                 <a:cs typeface="Times New Roman" panose="02020603050405020304" pitchFamily="18" charset="0"/>
               </a:rPr>
-              <a:t>temporal and spatial physiochemical data</a:t>
-            </a:r>
-            <a:r>
-              <a:rPr lang="en-US" sz="2200" dirty="0" smtClean="0">
-                <a:solidFill>
-                  <a:srgbClr val="CC0099"/>
-                </a:solidFill>
-                <a:latin typeface="Times New Roman" panose="02020603050405020304" pitchFamily="18" charset="0"/>
-                <a:cs typeface="Times New Roman" panose="02020603050405020304" pitchFamily="18" charset="0"/>
-              </a:rPr>
-              <a:t>.</a:t>
+              <a:t>temporal and spatial physiochemical data.</a:t>
             </a:r>
           </a:p>
           <a:p>
@@ -4714,18 +4464,11 @@
               <a:buChar char="•"/>
             </a:pPr>
             <a:r>
-              <a:rPr lang="en-US" sz="2200" dirty="0" smtClean="0">
-                <a:latin typeface="Times New Roman" panose="02020603050405020304" pitchFamily="18" charset="0"/>
-                <a:cs typeface="Times New Roman" panose="02020603050405020304" pitchFamily="18" charset="0"/>
-              </a:rPr>
-              <a:t> </a:t>
-            </a:r>
-            <a:r>
               <a:rPr lang="en-US" sz="2200" dirty="0">
                 <a:latin typeface="Times New Roman" panose="02020603050405020304" pitchFamily="18" charset="0"/>
                 <a:cs typeface="Times New Roman" panose="02020603050405020304" pitchFamily="18" charset="0"/>
               </a:rPr>
-              <a:t>It </a:t>
+              <a:t> It </a:t>
             </a:r>
             <a:r>
               <a:rPr lang="en-US" sz="2200" dirty="0">
@@ -4744,10 +4487,6 @@
               </a:rPr>
               <a:t>, and water quality trends, and enabling obligatory statistics for the validation and standardization of models. </a:t>
             </a:r>
-            <a:endParaRPr lang="en-US" sz="2200" dirty="0" smtClean="0">
-              <a:latin typeface="Times New Roman" panose="02020603050405020304" pitchFamily="18" charset="0"/>
-              <a:cs typeface="Times New Roman" panose="02020603050405020304" pitchFamily="18" charset="0"/>
-            </a:endParaRPr>
           </a:p>
           <a:p>
             <a:pPr marL="285750" indent="-285750" algn="just">
@@ -4758,18 +4497,11 @@
               <a:buChar char="•"/>
             </a:pPr>
             <a:r>
-              <a:rPr lang="en-US" sz="2200" dirty="0" smtClean="0">
-                <a:latin typeface="Times New Roman" panose="02020603050405020304" pitchFamily="18" charset="0"/>
-                <a:cs typeface="Times New Roman" panose="02020603050405020304" pitchFamily="18" charset="0"/>
-              </a:rPr>
-              <a:t>Climate </a:t>
-            </a:r>
-            <a:r>
               <a:rPr lang="en-US" sz="2200" dirty="0">
                 <a:latin typeface="Times New Roman" panose="02020603050405020304" pitchFamily="18" charset="0"/>
                 <a:cs typeface="Times New Roman" panose="02020603050405020304" pitchFamily="18" charset="0"/>
               </a:rPr>
-              <a:t>variability </a:t>
+              <a:t>Climate variability </a:t>
             </a:r>
             <a:r>
               <a:rPr lang="en-US" sz="2200" dirty="0">
@@ -4779,20 +4511,10 @@
                 <a:latin typeface="Times New Roman" panose="02020603050405020304" pitchFamily="18" charset="0"/>
                 <a:cs typeface="Times New Roman" panose="02020603050405020304" pitchFamily="18" charset="0"/>
               </a:rPr>
-              <a:t>worsens the </a:t>
-            </a:r>
-            <a:r>
-              <a:rPr lang="en-US" sz="2200" dirty="0" smtClean="0">
-                <a:solidFill>
-                  <a:srgbClr val="CC0099"/>
-                </a:solidFill>
-                <a:latin typeface="Times New Roman" panose="02020603050405020304" pitchFamily="18" charset="0"/>
-                <a:cs typeface="Times New Roman" panose="02020603050405020304" pitchFamily="18" charset="0"/>
-              </a:rPr>
-              <a:t>issue further</a:t>
-            </a:r>
-            <a:r>
-              <a:rPr lang="en-US" sz="2200" dirty="0" smtClean="0">
+              <a:t>worsens the issue further</a:t>
+            </a:r>
+            <a:r>
+              <a:rPr lang="en-US" sz="2200" dirty="0">
                 <a:latin typeface="Times New Roman" panose="02020603050405020304" pitchFamily="18" charset="0"/>
                 <a:cs typeface="Times New Roman" panose="02020603050405020304" pitchFamily="18" charset="0"/>
               </a:rPr>
@@ -4810,10 +4532,10 @@
             <a:picLocks noChangeAspect="1"/>
           </p:cNvPicPr>
           <p:nvPr>
-            <a:audioFile r:link="rId1"/>
+            <a:audioFile r:link="rId2"/>
             <p:extLst>
               <p:ext uri="{DAA4B4D4-6D71-4841-9C94-3DE7FCFB9230}">
-                <p14:media xmlns:p14="http://schemas.microsoft.com/office/powerpoint/2010/main" xmlns="" r:embed="rId4"/>
+                <p14:media xmlns:p14="http://schemas.microsoft.com/office/powerpoint/2010/main" r:embed="rId1"/>
               </p:ext>
             </p:extLst>
           </p:nvPr>
@@ -4837,18 +4559,18 @@
     </p:spTree>
     <p:extLst>
       <p:ext uri="{BB962C8B-B14F-4D97-AF65-F5344CB8AC3E}">
-        <p14:creationId xmlns:p14="http://schemas.microsoft.com/office/powerpoint/2010/main" xmlns="" val="242877882"/>
+        <p14:creationId xmlns:p14="http://schemas.microsoft.com/office/powerpoint/2010/main" val="242877882"/>
       </p:ext>
     </p:extLst>
   </p:cSld>
   <p:clrMapOvr>
     <a:masterClrMapping/>
   </p:clrMapOvr>
-  <mc:AlternateContent xmlns:mc="http://schemas.openxmlformats.org/markup-compatibility/2006">
-    <mc:Choice xmlns:p14="http://schemas.microsoft.com/office/powerpoint/2010/main" xmlns="" Requires="p14">
+  <mc:AlternateContent xmlns:mc="http://schemas.openxmlformats.org/markup-compatibility/2006" xmlns:p14="http://schemas.microsoft.com/office/powerpoint/2010/main">
+    <mc:Choice Requires="p14">
       <p:transition spd="slow" p14:dur="2000" advTm="919"/>
     </mc:Choice>
-    <mc:Fallback>
+    <mc:Fallback xmlns="">
       <p:transition spd="slow" advTm="919"/>
     </mc:Fallback>
   </mc:AlternateContent>
@@ -4978,16 +4700,12 @@
           <a:p>
             <a:pPr algn="ctr"/>
             <a:r>
-              <a:rPr lang="en-US" sz="2800" b="1" dirty="0" smtClean="0">
+              <a:rPr lang="en-US" sz="2800" b="1" dirty="0">
                 <a:latin typeface="Times New Roman" pitchFamily="18" charset="0"/>
                 <a:cs typeface="Times New Roman" pitchFamily="18" charset="0"/>
               </a:rPr>
               <a:t>PROBLEM STATEMENT</a:t>
             </a:r>
-            <a:endParaRPr lang="en-US" sz="2800" b="1" dirty="0">
-              <a:latin typeface="Times New Roman" pitchFamily="18" charset="0"/>
-              <a:cs typeface="Times New Roman" pitchFamily="18" charset="0"/>
-            </a:endParaRPr>
           </a:p>
         </p:txBody>
       </p:sp>
@@ -5014,14 +4732,14 @@
           <a:lstStyle/>
           <a:p>
             <a:r>
-              <a:rPr lang="en-US" sz="2200" dirty="0" smtClean="0">
+              <a:rPr lang="en-US" sz="2200" dirty="0">
                 <a:latin typeface="Times New Roman" pitchFamily="18" charset="0"/>
                 <a:cs typeface="Times New Roman" pitchFamily="18" charset="0"/>
               </a:rPr>
               <a:t>To develop an </a:t>
             </a:r>
             <a:r>
-              <a:rPr lang="en-US" sz="2200" dirty="0" smtClean="0">
+              <a:rPr lang="en-US" sz="2200" dirty="0">
                 <a:solidFill>
                   <a:srgbClr val="CC0099"/>
                 </a:solidFill>
@@ -5031,7 +4749,7 @@
               <a:t>efficient and real-time Internet of Things (</a:t>
             </a:r>
             <a:r>
-              <a:rPr lang="en-US" sz="2200" dirty="0" err="1" smtClean="0">
+              <a:rPr lang="en-US" sz="2200" dirty="0" err="1">
                 <a:solidFill>
                   <a:srgbClr val="CC0099"/>
                 </a:solidFill>
@@ -5041,209 +4759,192 @@
               <a:t>IoT</a:t>
             </a:r>
             <a:r>
-              <a:rPr lang="en-US" sz="2200" dirty="0" smtClean="0">
+              <a:rPr lang="en-US" sz="2200" dirty="0">
                 <a:solidFill>
                   <a:srgbClr val="CC0099"/>
                 </a:solidFill>
                 <a:latin typeface="Times New Roman" pitchFamily="18" charset="0"/>
                 <a:cs typeface="Times New Roman" pitchFamily="18" charset="0"/>
               </a:rPr>
-              <a:t>)-based system for monitoring and ensuring the quality of water in rural </a:t>
-            </a:r>
-            <a:r>
-              <a:rPr lang="en-US" sz="2200" dirty="0" smtClean="0">
+              <a:t>)-based system for monitoring and ensuring the quality of water in rural tanks.</a:t>
+            </a:r>
+          </a:p>
+          <a:p>
+            <a:r>
+              <a:rPr lang="en-US" sz="2200" dirty="0">
+                <a:latin typeface="Times New Roman" pitchFamily="18" charset="0"/>
+                <a:cs typeface="Times New Roman" pitchFamily="18" charset="0"/>
+              </a:rPr>
+              <a:t>The system aims to enhance water management and safety in rural areas by providing continuous insights into water quality parameters, </a:t>
+            </a:r>
+            <a:r>
+              <a:rPr lang="en-US" sz="2200" dirty="0">
+                <a:solidFill>
+                  <a:srgbClr val="0000FF"/>
+                </a:solidFill>
+                <a:latin typeface="Times New Roman" pitchFamily="18" charset="0"/>
+                <a:cs typeface="Times New Roman" pitchFamily="18" charset="0"/>
+              </a:rPr>
+              <a:t>thereby promoting safe water use for agriculture, drinking, and other needs.</a:t>
+            </a:r>
+          </a:p>
+          <a:p>
+            <a:pPr>
+              <a:buNone/>
+            </a:pPr>
+            <a:r>
+              <a:rPr lang="en-US" sz="2200" dirty="0">
                 <a:solidFill>
                   <a:srgbClr val="CC0099"/>
                 </a:solidFill>
                 <a:latin typeface="Times New Roman" pitchFamily="18" charset="0"/>
                 <a:cs typeface="Times New Roman" pitchFamily="18" charset="0"/>
               </a:rPr>
-              <a:t>tanks.</a:t>
-            </a:r>
-            <a:endParaRPr lang="en-US" sz="2200" dirty="0" smtClean="0">
-              <a:solidFill>
-                <a:srgbClr val="CC0099"/>
-              </a:solidFill>
-              <a:latin typeface="Times New Roman" pitchFamily="18" charset="0"/>
-              <a:cs typeface="Times New Roman" pitchFamily="18" charset="0"/>
-            </a:endParaRPr>
-          </a:p>
-          <a:p>
-            <a:r>
-              <a:rPr lang="en-US" sz="2200" dirty="0" smtClean="0">
+              <a:t>Project Goals:</a:t>
+            </a:r>
+          </a:p>
+          <a:p>
+            <a:pPr lvl="0"/>
+            <a:r>
+              <a:rPr lang="en-US" sz="2200" dirty="0">
+                <a:solidFill>
+                  <a:srgbClr val="CC0099"/>
+                </a:solidFill>
                 <a:latin typeface="Times New Roman" pitchFamily="18" charset="0"/>
                 <a:cs typeface="Times New Roman" pitchFamily="18" charset="0"/>
               </a:rPr>
-              <a:t>The system aims to enhance water management and safety in rural areas by providing continuous insights into water quality parameters, </a:t>
-            </a:r>
-            <a:r>
-              <a:rPr lang="en-US" sz="2200" dirty="0" smtClean="0">
+              <a:t>Continuous Monitoring</a:t>
+            </a:r>
+            <a:r>
+              <a:rPr lang="en-US" sz="2200" dirty="0">
+                <a:latin typeface="Times New Roman" pitchFamily="18" charset="0"/>
+                <a:cs typeface="Times New Roman" pitchFamily="18" charset="0"/>
+              </a:rPr>
+              <a:t>: Implement </a:t>
+            </a:r>
+            <a:r>
+              <a:rPr lang="en-US" sz="2200" dirty="0" err="1">
+                <a:latin typeface="Times New Roman" pitchFamily="18" charset="0"/>
+                <a:cs typeface="Times New Roman" pitchFamily="18" charset="0"/>
+              </a:rPr>
+              <a:t>IoT</a:t>
+            </a:r>
+            <a:r>
+              <a:rPr lang="en-US" sz="2200" dirty="0">
+                <a:latin typeface="Times New Roman" pitchFamily="18" charset="0"/>
+                <a:cs typeface="Times New Roman" pitchFamily="18" charset="0"/>
+              </a:rPr>
+              <a:t>-enabled sensors to continuously monitor key water quality parameters </a:t>
+            </a:r>
+            <a:r>
+              <a:rPr lang="en-US" sz="2200" dirty="0">
                 <a:solidFill>
                   <a:srgbClr val="0000FF"/>
                 </a:solidFill>
                 <a:latin typeface="Times New Roman" pitchFamily="18" charset="0"/>
                 <a:cs typeface="Times New Roman" pitchFamily="18" charset="0"/>
               </a:rPr>
-              <a:t>thereby promoting safe water use for agriculture, drinking, and other needs.</a:t>
-            </a:r>
-          </a:p>
-          <a:p>
-            <a:pPr>
-              <a:buNone/>
-            </a:pPr>
-            <a:r>
-              <a:rPr lang="en-US" sz="2200" dirty="0" smtClean="0">
+              <a:t>such as pH levels, turbidity, dissolved oxygen, temperature, and chemical contaminants.</a:t>
+            </a:r>
+          </a:p>
+          <a:p>
+            <a:pPr lvl="0"/>
+            <a:r>
+              <a:rPr lang="en-US" sz="2200" dirty="0">
                 <a:solidFill>
                   <a:srgbClr val="CC0099"/>
                 </a:solidFill>
                 <a:latin typeface="Times New Roman" pitchFamily="18" charset="0"/>
                 <a:cs typeface="Times New Roman" pitchFamily="18" charset="0"/>
               </a:rPr>
-              <a:t>Project Goals:</a:t>
+              <a:t>Data Analytics and Alerts</a:t>
+            </a:r>
+            <a:r>
+              <a:rPr lang="en-US" sz="2200" dirty="0">
+                <a:latin typeface="Times New Roman" pitchFamily="18" charset="0"/>
+                <a:cs typeface="Times New Roman" pitchFamily="18" charset="0"/>
+              </a:rPr>
+              <a:t>: Use cloud-based systems </a:t>
+            </a:r>
+            <a:r>
+              <a:rPr lang="en-US" sz="2200" dirty="0">
+                <a:solidFill>
+                  <a:srgbClr val="0000FF"/>
+                </a:solidFill>
+                <a:latin typeface="Times New Roman" pitchFamily="18" charset="0"/>
+                <a:cs typeface="Times New Roman" pitchFamily="18" charset="0"/>
+              </a:rPr>
+              <a:t>to collect, analyze, and store data in real-time, providing alerts and insights when water quality deteriorates beyond safe thresholds.</a:t>
             </a:r>
           </a:p>
           <a:p>
             <a:pPr lvl="0"/>
             <a:r>
-              <a:rPr lang="en-US" sz="2200" dirty="0" smtClean="0">
+              <a:rPr lang="en-US" sz="2200" dirty="0">
                 <a:solidFill>
                   <a:srgbClr val="CC0099"/>
                 </a:solidFill>
                 <a:latin typeface="Times New Roman" pitchFamily="18" charset="0"/>
                 <a:cs typeface="Times New Roman" pitchFamily="18" charset="0"/>
               </a:rPr>
-              <a:t>Continuous Monitoring</a:t>
-            </a:r>
-            <a:r>
-              <a:rPr lang="en-US" sz="2200" dirty="0" smtClean="0">
+              <a:t>Low-Cost Implementation</a:t>
+            </a:r>
+            <a:r>
+              <a:rPr lang="en-US" sz="2200" dirty="0">
                 <a:latin typeface="Times New Roman" pitchFamily="18" charset="0"/>
                 <a:cs typeface="Times New Roman" pitchFamily="18" charset="0"/>
               </a:rPr>
-              <a:t>: Implement </a:t>
-            </a:r>
-            <a:r>
-              <a:rPr lang="en-US" sz="2200" dirty="0" err="1" smtClean="0">
-                <a:latin typeface="Times New Roman" pitchFamily="18" charset="0"/>
-                <a:cs typeface="Times New Roman" pitchFamily="18" charset="0"/>
-              </a:rPr>
-              <a:t>IoT</a:t>
-            </a:r>
-            <a:r>
-              <a:rPr lang="en-US" sz="2200" dirty="0" smtClean="0">
-                <a:latin typeface="Times New Roman" pitchFamily="18" charset="0"/>
-                <a:cs typeface="Times New Roman" pitchFamily="18" charset="0"/>
-              </a:rPr>
-              <a:t>-enabled sensors to continuously monitor key water quality parameters </a:t>
-            </a:r>
-            <a:r>
-              <a:rPr lang="en-US" sz="2200" dirty="0" smtClean="0">
+              <a:t>: Design the system to be </a:t>
+            </a:r>
+            <a:r>
+              <a:rPr lang="en-US" sz="2200" dirty="0">
                 <a:solidFill>
                   <a:srgbClr val="0000FF"/>
                 </a:solidFill>
                 <a:latin typeface="Times New Roman" pitchFamily="18" charset="0"/>
                 <a:cs typeface="Times New Roman" pitchFamily="18" charset="0"/>
               </a:rPr>
-              <a:t>such as pH levels, turbidity, dissolved oxygen, temperature, and chemical contaminants.</a:t>
+              <a:t>affordable and scalable </a:t>
+            </a:r>
+            <a:r>
+              <a:rPr lang="en-US" sz="2200" dirty="0">
+                <a:latin typeface="Times New Roman" pitchFamily="18" charset="0"/>
+                <a:cs typeface="Times New Roman" pitchFamily="18" charset="0"/>
+              </a:rPr>
+              <a:t>for rural </a:t>
+            </a:r>
+            <a:r>
+              <a:rPr lang="en-US" sz="2200" dirty="0">
+                <a:solidFill>
+                  <a:srgbClr val="0000FF"/>
+                </a:solidFill>
+                <a:latin typeface="Times New Roman" pitchFamily="18" charset="0"/>
+                <a:cs typeface="Times New Roman" pitchFamily="18" charset="0"/>
+              </a:rPr>
+              <a:t>communities, considering budget constraints and the need for low-maintenance solutions.</a:t>
             </a:r>
           </a:p>
           <a:p>
             <a:pPr lvl="0"/>
             <a:r>
-              <a:rPr lang="en-US" sz="2200" dirty="0" smtClean="0">
+              <a:rPr lang="en-US" sz="2200" dirty="0">
                 <a:solidFill>
                   <a:srgbClr val="CC0099"/>
                 </a:solidFill>
                 <a:latin typeface="Times New Roman" pitchFamily="18" charset="0"/>
                 <a:cs typeface="Times New Roman" pitchFamily="18" charset="0"/>
               </a:rPr>
-              <a:t>Data Analytics and Alerts</a:t>
-            </a:r>
-            <a:r>
-              <a:rPr lang="en-US" sz="2200" dirty="0" smtClean="0">
+              <a:t>Community Empowerment</a:t>
+            </a:r>
+            <a:r>
+              <a:rPr lang="en-US" sz="2200" dirty="0">
                 <a:latin typeface="Times New Roman" pitchFamily="18" charset="0"/>
                 <a:cs typeface="Times New Roman" pitchFamily="18" charset="0"/>
               </a:rPr>
-              <a:t>: Use cloud-based systems </a:t>
-            </a:r>
-            <a:r>
-              <a:rPr lang="en-US" sz="2200" dirty="0" smtClean="0">
-                <a:solidFill>
-                  <a:srgbClr val="0000FF"/>
-                </a:solidFill>
-                <a:latin typeface="Times New Roman" pitchFamily="18" charset="0"/>
-                <a:cs typeface="Times New Roman" pitchFamily="18" charset="0"/>
-              </a:rPr>
-              <a:t>to collect, analyze, and store data in real-time, providing alerts and insights when water quality deteriorates beyond safe thresholds.</a:t>
-            </a:r>
-          </a:p>
-          <a:p>
-            <a:pPr lvl="0"/>
-            <a:r>
-              <a:rPr lang="en-US" sz="2200" dirty="0" smtClean="0">
-                <a:solidFill>
-                  <a:srgbClr val="CC0099"/>
-                </a:solidFill>
-                <a:latin typeface="Times New Roman" pitchFamily="18" charset="0"/>
-                <a:cs typeface="Times New Roman" pitchFamily="18" charset="0"/>
-              </a:rPr>
-              <a:t>Low-Cost Implementation</a:t>
-            </a:r>
-            <a:r>
-              <a:rPr lang="en-US" sz="2200" dirty="0" smtClean="0">
-                <a:latin typeface="Times New Roman" pitchFamily="18" charset="0"/>
-                <a:cs typeface="Times New Roman" pitchFamily="18" charset="0"/>
-              </a:rPr>
-              <a:t>: Design the system to be </a:t>
-            </a:r>
-            <a:r>
-              <a:rPr lang="en-US" sz="2200" dirty="0" smtClean="0">
-                <a:solidFill>
-                  <a:srgbClr val="0000FF"/>
-                </a:solidFill>
-                <a:latin typeface="Times New Roman" pitchFamily="18" charset="0"/>
-                <a:cs typeface="Times New Roman" pitchFamily="18" charset="0"/>
-              </a:rPr>
-              <a:t>affordable and scalable </a:t>
-            </a:r>
-            <a:r>
-              <a:rPr lang="en-US" sz="2200" dirty="0" smtClean="0">
-                <a:latin typeface="Times New Roman" pitchFamily="18" charset="0"/>
-                <a:cs typeface="Times New Roman" pitchFamily="18" charset="0"/>
-              </a:rPr>
-              <a:t>for rural </a:t>
-            </a:r>
-            <a:r>
-              <a:rPr lang="en-US" sz="2200" dirty="0" smtClean="0">
-                <a:solidFill>
-                  <a:srgbClr val="0000FF"/>
-                </a:solidFill>
-                <a:latin typeface="Times New Roman" pitchFamily="18" charset="0"/>
-                <a:cs typeface="Times New Roman" pitchFamily="18" charset="0"/>
-              </a:rPr>
-              <a:t>communities, considering budget constraints and the need for low-maintenance solutions.</a:t>
-            </a:r>
-          </a:p>
-          <a:p>
-            <a:pPr lvl="0"/>
-            <a:r>
-              <a:rPr lang="en-US" sz="2200" dirty="0" smtClean="0">
-                <a:solidFill>
-                  <a:srgbClr val="CC0099"/>
-                </a:solidFill>
-                <a:latin typeface="Times New Roman" pitchFamily="18" charset="0"/>
-                <a:cs typeface="Times New Roman" pitchFamily="18" charset="0"/>
-              </a:rPr>
-              <a:t>Community Empowerment</a:t>
-            </a:r>
-            <a:r>
-              <a:rPr lang="en-US" sz="2200" dirty="0" smtClean="0">
-                <a:latin typeface="Times New Roman" pitchFamily="18" charset="0"/>
-                <a:cs typeface="Times New Roman" pitchFamily="18" charset="0"/>
-              </a:rPr>
               <a:t>: Involve local communities and stakeholders in understanding water quality </a:t>
             </a:r>
             <a:r>
-              <a:rPr lang="en-US" sz="2200" dirty="0" smtClean="0">
+              <a:rPr lang="en-US" sz="2200" dirty="0">
                 <a:solidFill>
                   <a:srgbClr val="0000FF"/>
                 </a:solidFill>
@@ -5298,7 +4999,7 @@
           <a:lstStyle/>
           <a:p>
             <a:r>
-              <a:rPr lang="en-IN" smtClean="0"/>
+              <a:rPr lang="en-IN"/>
               <a:t>RWC2024</a:t>
             </a:r>
             <a:endParaRPr lang="en-IN" dirty="0"/>
@@ -5349,16 +5050,12 @@
           <a:p>
             <a:pPr algn="ctr"/>
             <a:r>
-              <a:rPr lang="en-US" sz="2800" b="1" dirty="0" smtClean="0">
+              <a:rPr lang="en-US" sz="2800" b="1" dirty="0">
                 <a:latin typeface="Times New Roman" pitchFamily="18" charset="0"/>
                 <a:cs typeface="Times New Roman" pitchFamily="18" charset="0"/>
               </a:rPr>
               <a:t>SCOPE OF WORK</a:t>
             </a:r>
-            <a:endParaRPr lang="en-US" sz="2800" b="1" dirty="0">
-              <a:latin typeface="Times New Roman" pitchFamily="18" charset="0"/>
-              <a:cs typeface="Times New Roman" pitchFamily="18" charset="0"/>
-            </a:endParaRPr>
           </a:p>
         </p:txBody>
       </p:sp>
@@ -5385,7 +5082,7 @@
           <a:lstStyle/>
           <a:p>
             <a:r>
-              <a:rPr lang="en-US" sz="2100" b="1" dirty="0" smtClean="0">
+              <a:rPr lang="en-US" sz="2100" b="1" dirty="0">
                 <a:solidFill>
                   <a:srgbClr val="CC0099"/>
                 </a:solidFill>
@@ -5395,7 +5092,7 @@
               <a:t> </a:t>
             </a:r>
             <a:r>
-              <a:rPr lang="en-US" sz="2100" b="1" dirty="0" err="1" smtClean="0">
+              <a:rPr lang="en-US" sz="2100" b="1" dirty="0" err="1">
                 <a:solidFill>
                   <a:srgbClr val="CC0099"/>
                 </a:solidFill>
@@ -5405,178 +5102,138 @@
               <a:t>IoT</a:t>
             </a:r>
             <a:r>
-              <a:rPr lang="en-US" sz="2100" b="1" dirty="0" smtClean="0">
+              <a:rPr lang="en-US" sz="2100" b="1" dirty="0">
                 <a:solidFill>
                   <a:srgbClr val="CC0099"/>
                 </a:solidFill>
                 <a:latin typeface="Times New Roman" pitchFamily="18" charset="0"/>
                 <a:cs typeface="Times New Roman" pitchFamily="18" charset="0"/>
               </a:rPr>
-              <a:t> </a:t>
-            </a:r>
-            <a:r>
-              <a:rPr lang="en-US" sz="2100" b="1" dirty="0" smtClean="0">
+              <a:t> Sensor Design</a:t>
+            </a:r>
+            <a:r>
+              <a:rPr lang="en-US" sz="2100" b="1" dirty="0">
+                <a:latin typeface="Times New Roman" pitchFamily="18" charset="0"/>
+                <a:cs typeface="Times New Roman" pitchFamily="18" charset="0"/>
+              </a:rPr>
+              <a:t>: Develop and deploy sensors to monitor water quality parameters such as pH, turbidity, and temperature in rural water tanks.</a:t>
+            </a:r>
+          </a:p>
+          <a:p>
+            <a:r>
+              <a:rPr lang="en-US" sz="2100" b="1" dirty="0">
                 <a:solidFill>
                   <a:srgbClr val="CC0099"/>
                 </a:solidFill>
                 <a:latin typeface="Times New Roman" pitchFamily="18" charset="0"/>
                 <a:cs typeface="Times New Roman" pitchFamily="18" charset="0"/>
               </a:rPr>
-              <a:t>Sensor Design</a:t>
-            </a:r>
-            <a:r>
-              <a:rPr lang="en-US" sz="2100" b="1" dirty="0" smtClean="0">
+              <a:t> Communication Protocol: </a:t>
+            </a:r>
+            <a:r>
+              <a:rPr lang="en-US" sz="2100" b="1" dirty="0">
                 <a:latin typeface="Times New Roman" pitchFamily="18" charset="0"/>
                 <a:cs typeface="Times New Roman" pitchFamily="18" charset="0"/>
               </a:rPr>
-              <a:t>: Develop and deploy sensors to monitor water quality parameters such as pH, turbidity, and temperature in rural water tanks.</a:t>
-            </a:r>
-          </a:p>
-          <a:p>
-            <a:r>
-              <a:rPr lang="en-US" sz="2100" b="1" dirty="0" smtClean="0">
+              <a:t>Use wireless communication like </a:t>
+            </a:r>
+            <a:r>
+              <a:rPr lang="en-US" sz="2100" b="1" dirty="0" err="1">
+                <a:latin typeface="Times New Roman" pitchFamily="18" charset="0"/>
+                <a:cs typeface="Times New Roman" pitchFamily="18" charset="0"/>
+              </a:rPr>
+              <a:t>LoRa</a:t>
+            </a:r>
+            <a:r>
+              <a:rPr lang="en-US" sz="2100" b="1" dirty="0">
+                <a:latin typeface="Times New Roman" pitchFamily="18" charset="0"/>
+                <a:cs typeface="Times New Roman" pitchFamily="18" charset="0"/>
+              </a:rPr>
+              <a:t> to transmit data to a centralized cloud platform.</a:t>
+            </a:r>
+          </a:p>
+          <a:p>
+            <a:r>
+              <a:rPr lang="en-US" sz="2100" b="1" dirty="0">
                 <a:solidFill>
                   <a:srgbClr val="CC0099"/>
                 </a:solidFill>
                 <a:latin typeface="Times New Roman" pitchFamily="18" charset="0"/>
                 <a:cs typeface="Times New Roman" pitchFamily="18" charset="0"/>
               </a:rPr>
-              <a:t> Communication </a:t>
-            </a:r>
-            <a:r>
-              <a:rPr lang="en-US" sz="2100" b="1" dirty="0" smtClean="0">
+              <a:t>Data Processing: </a:t>
+            </a:r>
+            <a:r>
+              <a:rPr lang="en-US" sz="2100" b="1" dirty="0">
+                <a:latin typeface="Times New Roman" pitchFamily="18" charset="0"/>
+                <a:cs typeface="Times New Roman" pitchFamily="18" charset="0"/>
+              </a:rPr>
+              <a:t>Implement a cloud system to </a:t>
+            </a:r>
+            <a:r>
+              <a:rPr lang="en-US" sz="2100" b="1" dirty="0">
+                <a:solidFill>
+                  <a:srgbClr val="0000FF"/>
+                </a:solidFill>
+                <a:latin typeface="Times New Roman" pitchFamily="18" charset="0"/>
+                <a:cs typeface="Times New Roman" pitchFamily="18" charset="0"/>
+              </a:rPr>
+              <a:t>collect, store, and analyze real-time water quality data</a:t>
+            </a:r>
+            <a:r>
+              <a:rPr lang="en-US" sz="2100" b="1" dirty="0">
+                <a:latin typeface="Times New Roman" pitchFamily="18" charset="0"/>
+                <a:cs typeface="Times New Roman" pitchFamily="18" charset="0"/>
+              </a:rPr>
+              <a:t>.</a:t>
+            </a:r>
+          </a:p>
+          <a:p>
+            <a:r>
+              <a:rPr lang="en-US" sz="2100" b="1" dirty="0">
                 <a:solidFill>
                   <a:srgbClr val="CC0099"/>
                 </a:solidFill>
                 <a:latin typeface="Times New Roman" pitchFamily="18" charset="0"/>
                 <a:cs typeface="Times New Roman" pitchFamily="18" charset="0"/>
               </a:rPr>
-              <a:t>Protocol: </a:t>
-            </a:r>
-            <a:r>
-              <a:rPr lang="en-US" sz="2100" b="1" dirty="0" smtClean="0">
+              <a:t> Mobile Application</a:t>
+            </a:r>
+            <a:r>
+              <a:rPr lang="en-US" sz="2100" b="1" dirty="0">
                 <a:latin typeface="Times New Roman" pitchFamily="18" charset="0"/>
                 <a:cs typeface="Times New Roman" pitchFamily="18" charset="0"/>
               </a:rPr>
-              <a:t>Use wireless communication like </a:t>
-            </a:r>
-            <a:r>
-              <a:rPr lang="en-US" sz="2100" b="1" dirty="0" err="1" smtClean="0">
-                <a:latin typeface="Times New Roman" pitchFamily="18" charset="0"/>
-                <a:cs typeface="Times New Roman" pitchFamily="18" charset="0"/>
-              </a:rPr>
-              <a:t>LoRa</a:t>
-            </a:r>
-            <a:r>
-              <a:rPr lang="en-US" sz="2100" b="1" dirty="0" smtClean="0">
-                <a:latin typeface="Times New Roman" pitchFamily="18" charset="0"/>
-                <a:cs typeface="Times New Roman" pitchFamily="18" charset="0"/>
-              </a:rPr>
-              <a:t> to transmit data to a centralized cloud platform.</a:t>
-            </a:r>
-          </a:p>
-          <a:p>
-            <a:r>
-              <a:rPr lang="en-US" sz="2100" b="1" dirty="0" smtClean="0">
-                <a:solidFill>
-                  <a:srgbClr val="CC0099"/>
-                </a:solidFill>
-                <a:latin typeface="Times New Roman" pitchFamily="18" charset="0"/>
-                <a:cs typeface="Times New Roman" pitchFamily="18" charset="0"/>
-              </a:rPr>
-              <a:t>Data </a:t>
-            </a:r>
-            <a:r>
-              <a:rPr lang="en-US" sz="2100" b="1" dirty="0" smtClean="0">
-                <a:solidFill>
-                  <a:srgbClr val="CC0099"/>
-                </a:solidFill>
-                <a:latin typeface="Times New Roman" pitchFamily="18" charset="0"/>
-                <a:cs typeface="Times New Roman" pitchFamily="18" charset="0"/>
-              </a:rPr>
-              <a:t>Processing: </a:t>
-            </a:r>
-            <a:r>
-              <a:rPr lang="en-US" sz="2100" b="1" dirty="0" smtClean="0">
-                <a:latin typeface="Times New Roman" pitchFamily="18" charset="0"/>
-                <a:cs typeface="Times New Roman" pitchFamily="18" charset="0"/>
-              </a:rPr>
-              <a:t>Implement a cloud system to </a:t>
-            </a:r>
-            <a:r>
-              <a:rPr lang="en-US" sz="2100" b="1" dirty="0" smtClean="0">
+              <a:t>: Develop an </a:t>
+            </a:r>
+            <a:r>
+              <a:rPr lang="en-US" sz="2100" b="1" dirty="0">
                 <a:solidFill>
                   <a:srgbClr val="0000FF"/>
                 </a:solidFill>
                 <a:latin typeface="Times New Roman" pitchFamily="18" charset="0"/>
                 <a:cs typeface="Times New Roman" pitchFamily="18" charset="0"/>
               </a:rPr>
-              <a:t>collect, store, and analyze real-time water quality data</a:t>
-            </a:r>
-            <a:r>
-              <a:rPr lang="en-US" sz="2100" b="1" dirty="0" smtClean="0">
+              <a:t>app to display data and send alerts</a:t>
+            </a:r>
+            <a:r>
+              <a:rPr lang="en-US" sz="2100" b="1" dirty="0">
                 <a:latin typeface="Times New Roman" pitchFamily="18" charset="0"/>
                 <a:cs typeface="Times New Roman" pitchFamily="18" charset="0"/>
               </a:rPr>
-              <a:t>.</a:t>
-            </a:r>
-          </a:p>
-          <a:p>
-            <a:r>
-              <a:rPr lang="en-US" sz="2100" b="1" dirty="0" smtClean="0">
-                <a:solidFill>
-                  <a:srgbClr val="CC0099"/>
-                </a:solidFill>
-                <a:latin typeface="Times New Roman" pitchFamily="18" charset="0"/>
-                <a:cs typeface="Times New Roman" pitchFamily="18" charset="0"/>
-              </a:rPr>
-              <a:t> Mobile </a:t>
-            </a:r>
-            <a:r>
-              <a:rPr lang="en-US" sz="2100" b="1" dirty="0" smtClean="0">
-                <a:solidFill>
-                  <a:srgbClr val="CC0099"/>
-                </a:solidFill>
-                <a:latin typeface="Times New Roman" pitchFamily="18" charset="0"/>
-                <a:cs typeface="Times New Roman" pitchFamily="18" charset="0"/>
-              </a:rPr>
-              <a:t>Application</a:t>
-            </a:r>
-            <a:r>
-              <a:rPr lang="en-US" sz="2100" b="1" dirty="0" smtClean="0">
-                <a:latin typeface="Times New Roman" pitchFamily="18" charset="0"/>
-                <a:cs typeface="Times New Roman" pitchFamily="18" charset="0"/>
-              </a:rPr>
-              <a:t>: Develop an </a:t>
-            </a:r>
-            <a:r>
-              <a:rPr lang="en-US" sz="2100" b="1" dirty="0" smtClean="0">
+              <a:t> when water quality </a:t>
+            </a:r>
+            <a:r>
+              <a:rPr lang="en-US" sz="2100" b="1" dirty="0">
                 <a:solidFill>
                   <a:srgbClr val="0000FF"/>
                 </a:solidFill>
                 <a:latin typeface="Times New Roman" pitchFamily="18" charset="0"/>
                 <a:cs typeface="Times New Roman" pitchFamily="18" charset="0"/>
               </a:rPr>
-              <a:t>app to display data and send alerts</a:t>
-            </a:r>
-            <a:r>
-              <a:rPr lang="en-US" sz="2100" b="1" dirty="0" smtClean="0">
-                <a:latin typeface="Times New Roman" pitchFamily="18" charset="0"/>
-                <a:cs typeface="Times New Roman" pitchFamily="18" charset="0"/>
-              </a:rPr>
-              <a:t> when water quality </a:t>
-            </a:r>
-            <a:r>
-              <a:rPr lang="en-US" sz="2100" b="1" dirty="0" smtClean="0">
-                <a:solidFill>
-                  <a:srgbClr val="0000FF"/>
-                </a:solidFill>
-                <a:latin typeface="Times New Roman" pitchFamily="18" charset="0"/>
-                <a:cs typeface="Times New Roman" pitchFamily="18" charset="0"/>
-              </a:rPr>
               <a:t>falls below safety thresholds.</a:t>
             </a:r>
-            <a:endParaRPr lang="en-US" sz="2200" b="1" dirty="0" smtClean="0">
+            <a:endParaRPr lang="en-US" sz="2200" b="1" dirty="0">
               <a:solidFill>
                 <a:srgbClr val="0000FF"/>
               </a:solidFill>
@@ -5586,275 +5243,255 @@
           </a:p>
           <a:p>
             <a:r>
-              <a:rPr lang="en-US" sz="2200" b="1" dirty="0" smtClean="0">
+              <a:rPr lang="en-US" sz="2200" b="1" dirty="0">
                 <a:latin typeface="Times New Roman" pitchFamily="18" charset="0"/>
                 <a:cs typeface="Times New Roman" pitchFamily="18" charset="0"/>
               </a:rPr>
               <a:t> </a:t>
             </a:r>
             <a:r>
-              <a:rPr lang="en-US" sz="2200" b="1" dirty="0" smtClean="0">
+              <a:rPr lang="en-US" sz="2200" b="1" dirty="0">
                 <a:solidFill>
                   <a:srgbClr val="CC0099"/>
                 </a:solidFill>
                 <a:latin typeface="Times New Roman" pitchFamily="18" charset="0"/>
                 <a:cs typeface="Times New Roman" pitchFamily="18" charset="0"/>
               </a:rPr>
-              <a:t>Pilot </a:t>
-            </a:r>
-            <a:r>
-              <a:rPr lang="en-US" sz="2200" b="1" dirty="0" smtClean="0">
+              <a:t>Pilot Testing</a:t>
+            </a:r>
+            <a:r>
+              <a:rPr lang="en-US" sz="2200" b="1" dirty="0">
+                <a:latin typeface="Times New Roman" pitchFamily="18" charset="0"/>
+                <a:cs typeface="Times New Roman" pitchFamily="18" charset="0"/>
+              </a:rPr>
+              <a:t>: </a:t>
+            </a:r>
+            <a:r>
+              <a:rPr lang="en-US" sz="2200" b="1" dirty="0">
+                <a:solidFill>
+                  <a:srgbClr val="0000FF"/>
+                </a:solidFill>
+                <a:latin typeface="Times New Roman" pitchFamily="18" charset="0"/>
+                <a:cs typeface="Times New Roman" pitchFamily="18" charset="0"/>
+              </a:rPr>
+              <a:t>Conduct pilot trials </a:t>
+            </a:r>
+            <a:r>
+              <a:rPr lang="en-US" sz="2200" b="1" dirty="0">
+                <a:latin typeface="Times New Roman" pitchFamily="18" charset="0"/>
+                <a:cs typeface="Times New Roman" pitchFamily="18" charset="0"/>
+              </a:rPr>
+              <a:t>in select rural tanks to </a:t>
+            </a:r>
+            <a:r>
+              <a:rPr lang="en-US" sz="2200" b="1" dirty="0">
+                <a:solidFill>
+                  <a:srgbClr val="0000FF"/>
+                </a:solidFill>
+                <a:latin typeface="Times New Roman" pitchFamily="18" charset="0"/>
+                <a:cs typeface="Times New Roman" pitchFamily="18" charset="0"/>
+              </a:rPr>
+              <a:t>assess performance and accuracy.</a:t>
+            </a:r>
+          </a:p>
+          <a:p>
+            <a:r>
+              <a:rPr lang="en-US" sz="2200" b="1" dirty="0">
+                <a:latin typeface="Times New Roman" pitchFamily="18" charset="0"/>
+                <a:cs typeface="Times New Roman" pitchFamily="18" charset="0"/>
+              </a:rPr>
+              <a:t> </a:t>
+            </a:r>
+            <a:r>
+              <a:rPr lang="en-US" sz="2200" b="1" dirty="0">
                 <a:solidFill>
                   <a:srgbClr val="CC0099"/>
                 </a:solidFill>
                 <a:latin typeface="Times New Roman" pitchFamily="18" charset="0"/>
                 <a:cs typeface="Times New Roman" pitchFamily="18" charset="0"/>
               </a:rPr>
-              <a:t>Testing</a:t>
-            </a:r>
-            <a:r>
-              <a:rPr lang="en-US" sz="2200" b="1" dirty="0" smtClean="0">
+              <a:t>Community Training</a:t>
+            </a:r>
+            <a:r>
+              <a:rPr lang="en-US" sz="2200" b="1" dirty="0">
                 <a:latin typeface="Times New Roman" pitchFamily="18" charset="0"/>
                 <a:cs typeface="Times New Roman" pitchFamily="18" charset="0"/>
               </a:rPr>
-              <a:t>: </a:t>
-            </a:r>
-            <a:r>
-              <a:rPr lang="en-US" sz="2200" b="1" dirty="0" smtClean="0">
+              <a:t>: Educate </a:t>
+            </a:r>
+            <a:r>
+              <a:rPr lang="en-US" sz="2200" b="1" dirty="0">
                 <a:solidFill>
                   <a:srgbClr val="0000FF"/>
                 </a:solidFill>
                 <a:latin typeface="Times New Roman" pitchFamily="18" charset="0"/>
                 <a:cs typeface="Times New Roman" pitchFamily="18" charset="0"/>
               </a:rPr>
-              <a:t>Conduct pilot trials </a:t>
-            </a:r>
-            <a:r>
-              <a:rPr lang="en-US" sz="2200" b="1" dirty="0" smtClean="0">
+              <a:t>local authorities on interpreting data and responding to alerts</a:t>
+            </a:r>
+            <a:r>
+              <a:rPr lang="en-US" sz="2200" b="1" dirty="0">
                 <a:latin typeface="Times New Roman" pitchFamily="18" charset="0"/>
                 <a:cs typeface="Times New Roman" pitchFamily="18" charset="0"/>
               </a:rPr>
-              <a:t>in select rural tanks to </a:t>
-            </a:r>
-            <a:r>
-              <a:rPr lang="en-US" sz="2200" b="1" dirty="0" smtClean="0">
+              <a:t>.</a:t>
+            </a:r>
+          </a:p>
+          <a:p>
+            <a:r>
+              <a:rPr lang="en-US" sz="2200" b="1" dirty="0">
+                <a:latin typeface="Times New Roman" pitchFamily="18" charset="0"/>
+                <a:cs typeface="Times New Roman" pitchFamily="18" charset="0"/>
+              </a:rPr>
+              <a:t> </a:t>
+            </a:r>
+            <a:r>
+              <a:rPr lang="en-US" sz="2200" b="1" dirty="0">
+                <a:solidFill>
+                  <a:srgbClr val="CC0099"/>
+                </a:solidFill>
+                <a:latin typeface="Times New Roman" pitchFamily="18" charset="0"/>
+                <a:cs typeface="Times New Roman" pitchFamily="18" charset="0"/>
+              </a:rPr>
+              <a:t>Real-Time Monitoring</a:t>
+            </a:r>
+            <a:r>
+              <a:rPr lang="en-US" sz="2200" b="1" dirty="0">
+                <a:latin typeface="Times New Roman" pitchFamily="18" charset="0"/>
+                <a:cs typeface="Times New Roman" pitchFamily="18" charset="0"/>
+              </a:rPr>
+              <a:t>: Continuously </a:t>
+            </a:r>
+            <a:r>
+              <a:rPr lang="en-US" sz="2200" b="1" dirty="0">
                 <a:solidFill>
                   <a:srgbClr val="0000FF"/>
                 </a:solidFill>
                 <a:latin typeface="Times New Roman" pitchFamily="18" charset="0"/>
                 <a:cs typeface="Times New Roman" pitchFamily="18" charset="0"/>
               </a:rPr>
-              <a:t>assess performance and accuracy.</a:t>
-            </a:r>
-          </a:p>
-          <a:p>
-            <a:r>
-              <a:rPr lang="en-US" sz="2200" b="1" dirty="0" smtClean="0">
+              <a:t>monitor and maintain sensors for long-term use</a:t>
+            </a:r>
+            <a:r>
+              <a:rPr lang="en-US" sz="2200" b="1" dirty="0">
                 <a:latin typeface="Times New Roman" pitchFamily="18" charset="0"/>
                 <a:cs typeface="Times New Roman" pitchFamily="18" charset="0"/>
               </a:rPr>
+              <a:t>.</a:t>
+            </a:r>
+          </a:p>
+          <a:p>
+            <a:r>
+              <a:rPr lang="en-US" sz="2200" b="1" dirty="0">
+                <a:latin typeface="Times New Roman" pitchFamily="18" charset="0"/>
+                <a:cs typeface="Times New Roman" pitchFamily="18" charset="0"/>
+              </a:rPr>
               <a:t> </a:t>
             </a:r>
             <a:r>
-              <a:rPr lang="en-US" sz="2200" b="1" dirty="0" smtClean="0">
+              <a:rPr lang="en-US" sz="2200" b="1" dirty="0">
                 <a:solidFill>
                   <a:srgbClr val="CC0099"/>
                 </a:solidFill>
                 <a:latin typeface="Times New Roman" pitchFamily="18" charset="0"/>
                 <a:cs typeface="Times New Roman" pitchFamily="18" charset="0"/>
               </a:rPr>
-              <a:t>Community </a:t>
-            </a:r>
-            <a:r>
-              <a:rPr lang="en-US" sz="2200" b="1" dirty="0" smtClean="0">
+              <a:t>Reporting</a:t>
+            </a:r>
+            <a:r>
+              <a:rPr lang="en-US" sz="2200" b="1" dirty="0">
+                <a:latin typeface="Times New Roman" pitchFamily="18" charset="0"/>
+                <a:cs typeface="Times New Roman" pitchFamily="18" charset="0"/>
+              </a:rPr>
+              <a:t>: Provide periodic reports on water quality trends and their impact on agriculture and health.</a:t>
+            </a:r>
+          </a:p>
+          <a:p>
+            <a:r>
+              <a:rPr lang="en-US" sz="2200" b="1" dirty="0">
+                <a:latin typeface="Times New Roman" pitchFamily="18" charset="0"/>
+                <a:cs typeface="Times New Roman" pitchFamily="18" charset="0"/>
+              </a:rPr>
+              <a:t> </a:t>
+            </a:r>
+            <a:r>
+              <a:rPr lang="en-US" sz="2200" b="1" dirty="0">
                 <a:solidFill>
                   <a:srgbClr val="CC0099"/>
                 </a:solidFill>
                 <a:latin typeface="Times New Roman" pitchFamily="18" charset="0"/>
                 <a:cs typeface="Times New Roman" pitchFamily="18" charset="0"/>
               </a:rPr>
-              <a:t>Training</a:t>
-            </a:r>
-            <a:r>
-              <a:rPr lang="en-US" sz="2200" b="1" dirty="0" smtClean="0">
+              <a:t>Maintenance</a:t>
+            </a:r>
+            <a:r>
+              <a:rPr lang="en-US" sz="2200" b="1" dirty="0">
                 <a:latin typeface="Times New Roman" pitchFamily="18" charset="0"/>
                 <a:cs typeface="Times New Roman" pitchFamily="18" charset="0"/>
               </a:rPr>
-              <a:t>: Educate </a:t>
-            </a:r>
-            <a:r>
-              <a:rPr lang="en-US" sz="2200" b="1" dirty="0" smtClean="0">
+              <a:t>: Create a </a:t>
+            </a:r>
+            <a:r>
+              <a:rPr lang="en-US" sz="2200" b="1" dirty="0">
                 <a:solidFill>
                   <a:srgbClr val="0000FF"/>
                 </a:solidFill>
                 <a:latin typeface="Times New Roman" pitchFamily="18" charset="0"/>
                 <a:cs typeface="Times New Roman" pitchFamily="18" charset="0"/>
               </a:rPr>
-              <a:t>local authorities on interpreting data and responding to alerts</a:t>
-            </a:r>
-            <a:r>
-              <a:rPr lang="en-US" sz="2200" b="1" dirty="0" smtClean="0">
+              <a:t>schedule for sensor calibration and cleaning.</a:t>
+            </a:r>
+          </a:p>
+          <a:p>
+            <a:r>
+              <a:rPr lang="en-US" sz="2200" b="1" dirty="0">
                 <a:latin typeface="Times New Roman" pitchFamily="18" charset="0"/>
                 <a:cs typeface="Times New Roman" pitchFamily="18" charset="0"/>
               </a:rPr>
-              <a:t>.</a:t>
-            </a:r>
-          </a:p>
-          <a:p>
-            <a:r>
-              <a:rPr lang="en-US" sz="2200" b="1" dirty="0" smtClean="0">
-                <a:latin typeface="Times New Roman" pitchFamily="18" charset="0"/>
-                <a:cs typeface="Times New Roman" pitchFamily="18" charset="0"/>
-              </a:rPr>
               <a:t> </a:t>
             </a:r>
             <a:r>
-              <a:rPr lang="en-US" sz="2200" b="1" dirty="0" smtClean="0">
+              <a:rPr lang="en-US" sz="2200" b="1" dirty="0">
                 <a:solidFill>
                   <a:srgbClr val="CC0099"/>
                 </a:solidFill>
                 <a:latin typeface="Times New Roman" pitchFamily="18" charset="0"/>
                 <a:cs typeface="Times New Roman" pitchFamily="18" charset="0"/>
               </a:rPr>
-              <a:t>Real-Time Monitoring</a:t>
-            </a:r>
-            <a:r>
-              <a:rPr lang="en-US" sz="2200" b="1" dirty="0" smtClean="0">
+              <a:t>Scalability</a:t>
+            </a:r>
+            <a:r>
+              <a:rPr lang="en-US" sz="2200" b="1" dirty="0">
                 <a:latin typeface="Times New Roman" pitchFamily="18" charset="0"/>
                 <a:cs typeface="Times New Roman" pitchFamily="18" charset="0"/>
               </a:rPr>
-              <a:t>: Continuously </a:t>
-            </a:r>
-            <a:r>
-              <a:rPr lang="en-US" sz="2200" b="1" dirty="0" smtClean="0">
+              <a:t>: Ensure the system </a:t>
+            </a:r>
+            <a:r>
+              <a:rPr lang="en-US" sz="2200" b="1" dirty="0">
                 <a:solidFill>
                   <a:srgbClr val="0000FF"/>
                 </a:solidFill>
                 <a:latin typeface="Times New Roman" pitchFamily="18" charset="0"/>
                 <a:cs typeface="Times New Roman" pitchFamily="18" charset="0"/>
               </a:rPr>
-              <a:t>monitor and maintain sensors for long-term use</a:t>
-            </a:r>
-            <a:r>
-              <a:rPr lang="en-US" sz="2200" b="1" dirty="0" smtClean="0">
+              <a:t>can expand to cover more tank</a:t>
+            </a:r>
+            <a:r>
+              <a:rPr lang="en-US" sz="2200" b="1" dirty="0">
                 <a:latin typeface="Times New Roman" pitchFamily="18" charset="0"/>
                 <a:cs typeface="Times New Roman" pitchFamily="18" charset="0"/>
               </a:rPr>
-              <a:t>.</a:t>
-            </a:r>
-          </a:p>
-          <a:p>
-            <a:r>
-              <a:rPr lang="en-US" sz="2200" b="1" dirty="0" smtClean="0">
-                <a:latin typeface="Times New Roman" pitchFamily="18" charset="0"/>
-                <a:cs typeface="Times New Roman" pitchFamily="18" charset="0"/>
-              </a:rPr>
-              <a:t> </a:t>
-            </a:r>
-            <a:r>
-              <a:rPr lang="en-US" sz="2200" b="1" dirty="0" smtClean="0">
-                <a:solidFill>
-                  <a:srgbClr val="CC0099"/>
-                </a:solidFill>
-                <a:latin typeface="Times New Roman" pitchFamily="18" charset="0"/>
-                <a:cs typeface="Times New Roman" pitchFamily="18" charset="0"/>
-              </a:rPr>
-              <a:t>Reporting</a:t>
-            </a:r>
-            <a:r>
-              <a:rPr lang="en-US" sz="2200" b="1" dirty="0" smtClean="0">
-                <a:latin typeface="Times New Roman" pitchFamily="18" charset="0"/>
-                <a:cs typeface="Times New Roman" pitchFamily="18" charset="0"/>
-              </a:rPr>
-              <a:t>: Provide periodic reports on water quality trends and their impact on agriculture and health.</a:t>
-            </a:r>
-          </a:p>
-          <a:p>
-            <a:r>
-              <a:rPr lang="en-US" sz="2200" b="1" dirty="0" smtClean="0">
-                <a:latin typeface="Times New Roman" pitchFamily="18" charset="0"/>
-                <a:cs typeface="Times New Roman" pitchFamily="18" charset="0"/>
-              </a:rPr>
-              <a:t> </a:t>
-            </a:r>
-            <a:r>
-              <a:rPr lang="en-US" sz="2200" b="1" dirty="0" smtClean="0">
-                <a:solidFill>
-                  <a:srgbClr val="CC0099"/>
-                </a:solidFill>
-                <a:latin typeface="Times New Roman" pitchFamily="18" charset="0"/>
-                <a:cs typeface="Times New Roman" pitchFamily="18" charset="0"/>
-              </a:rPr>
-              <a:t>Maintenance</a:t>
-            </a:r>
-            <a:r>
-              <a:rPr lang="en-US" sz="2200" b="1" dirty="0" smtClean="0">
-                <a:latin typeface="Times New Roman" pitchFamily="18" charset="0"/>
-                <a:cs typeface="Times New Roman" pitchFamily="18" charset="0"/>
-              </a:rPr>
-              <a:t>: Create a </a:t>
-            </a:r>
-            <a:r>
-              <a:rPr lang="en-US" sz="2200" b="1" dirty="0" smtClean="0">
+              <a:t>s and larger </a:t>
+            </a:r>
+            <a:r>
+              <a:rPr lang="en-US" sz="2200" b="1" dirty="0">
                 <a:solidFill>
                   <a:srgbClr val="0000FF"/>
                 </a:solidFill>
                 <a:latin typeface="Times New Roman" pitchFamily="18" charset="0"/>
                 <a:cs typeface="Times New Roman" pitchFamily="18" charset="0"/>
               </a:rPr>
-              <a:t>schedule for sensor calibration and cleaning.</a:t>
-            </a:r>
-          </a:p>
-          <a:p>
-            <a:r>
-              <a:rPr lang="en-US" sz="2200" b="1" dirty="0" smtClean="0">
-                <a:latin typeface="Times New Roman" pitchFamily="18" charset="0"/>
-                <a:cs typeface="Times New Roman" pitchFamily="18" charset="0"/>
-              </a:rPr>
-              <a:t> </a:t>
-            </a:r>
-            <a:r>
-              <a:rPr lang="en-US" sz="2200" b="1" dirty="0" smtClean="0">
-                <a:solidFill>
-                  <a:srgbClr val="CC0099"/>
-                </a:solidFill>
-                <a:latin typeface="Times New Roman" pitchFamily="18" charset="0"/>
-                <a:cs typeface="Times New Roman" pitchFamily="18" charset="0"/>
-              </a:rPr>
-              <a:t>Scalability</a:t>
-            </a:r>
-            <a:r>
-              <a:rPr lang="en-US" sz="2200" b="1" dirty="0" smtClean="0">
-                <a:latin typeface="Times New Roman" pitchFamily="18" charset="0"/>
-                <a:cs typeface="Times New Roman" pitchFamily="18" charset="0"/>
-              </a:rPr>
-              <a:t>: Ensure the system </a:t>
-            </a:r>
-            <a:r>
-              <a:rPr lang="en-US" sz="2200" b="1" dirty="0" smtClean="0">
-                <a:solidFill>
-                  <a:srgbClr val="0000FF"/>
-                </a:solidFill>
-                <a:latin typeface="Times New Roman" pitchFamily="18" charset="0"/>
-                <a:cs typeface="Times New Roman" pitchFamily="18" charset="0"/>
-              </a:rPr>
-              <a:t>can expand to cover more tank</a:t>
-            </a:r>
-            <a:r>
-              <a:rPr lang="en-US" sz="2200" b="1" dirty="0" smtClean="0">
-                <a:latin typeface="Times New Roman" pitchFamily="18" charset="0"/>
-                <a:cs typeface="Times New Roman" pitchFamily="18" charset="0"/>
-              </a:rPr>
-              <a:t>s and larger </a:t>
-            </a:r>
-            <a:r>
-              <a:rPr lang="en-US" sz="2200" b="1" dirty="0" smtClean="0">
-                <a:solidFill>
-                  <a:srgbClr val="0000FF"/>
-                </a:solidFill>
-                <a:latin typeface="Times New Roman" pitchFamily="18" charset="0"/>
-                <a:cs typeface="Times New Roman" pitchFamily="18" charset="0"/>
-              </a:rPr>
               <a:t>water bodies </a:t>
             </a:r>
           </a:p>
@@ -5862,15 +5499,8 @@
             <a:pPr>
               <a:buNone/>
             </a:pPr>
-            <a:r>
-              <a:rPr lang="en-US" sz="2000" b="1" dirty="0" smtClean="0">
-                <a:latin typeface="Times New Roman" pitchFamily="18" charset="0"/>
-                <a:cs typeface="Times New Roman" pitchFamily="18" charset="0"/>
-              </a:rPr>
-              <a:t/>
-            </a:r>
             <a:br>
-              <a:rPr lang="en-US" sz="2000" b="1" dirty="0" smtClean="0">
+              <a:rPr lang="en-US" sz="2000" b="1" dirty="0">
                 <a:latin typeface="Times New Roman" pitchFamily="18" charset="0"/>
                 <a:cs typeface="Times New Roman" pitchFamily="18" charset="0"/>
               </a:rPr>
@@ -5919,7 +5549,7 @@
           <a:lstStyle/>
           <a:p>
             <a:r>
-              <a:rPr lang="en-IN" smtClean="0"/>
+              <a:rPr lang="en-IN"/>
               <a:t>RWC2024</a:t>
             </a:r>
             <a:endParaRPr lang="en-IN" dirty="0"/>
@@ -5956,7 +5586,7 @@
           <p:cNvPr id="2" name="Title 1">
             <a:extLst>
               <a:ext uri="{FF2B5EF4-FFF2-40B4-BE49-F238E27FC236}">
-                <a16:creationId xmlns="" xmlns:a16="http://schemas.microsoft.com/office/drawing/2014/main" id="{E1F8FE63-5EED-0291-2DAE-16B17A11E5C1}"/>
+                <a16:creationId xmlns:a16="http://schemas.microsoft.com/office/drawing/2014/main" id="{E1F8FE63-5EED-0291-2DAE-16B17A11E5C1}"/>
               </a:ext>
             </a:extLst>
           </p:cNvPr>
@@ -5976,7 +5606,7 @@
           <a:p>
             <a:pPr lvl="0" algn="ctr"/>
             <a:r>
-              <a:rPr lang="en-US" sz="2800" b="1" dirty="0" smtClean="0">
+              <a:rPr lang="en-US" sz="2800" b="1" dirty="0">
                 <a:latin typeface="Times New Roman" pitchFamily="18" charset="0"/>
                 <a:cs typeface="Times New Roman" pitchFamily="18" charset="0"/>
               </a:rPr>
@@ -5991,7 +5621,7 @@
           <p:cNvPr id="3" name="Content Placeholder 2">
             <a:extLst>
               <a:ext uri="{FF2B5EF4-FFF2-40B4-BE49-F238E27FC236}">
-                <a16:creationId xmlns="" xmlns:a16="http://schemas.microsoft.com/office/drawing/2014/main" id="{5671DC27-67F7-69F1-A029-DE604160C7E5}"/>
+                <a16:creationId xmlns:a16="http://schemas.microsoft.com/office/drawing/2014/main" id="{5671DC27-67F7-69F1-A029-DE604160C7E5}"/>
               </a:ext>
             </a:extLst>
           </p:cNvPr>
@@ -6027,7 +5657,7 @@
               </a:rPr>
               <a:t>OBJECTIVE</a:t>
             </a:r>
-            <a:endParaRPr lang="en-US" sz="2200" dirty="0" smtClean="0">
+            <a:endParaRPr lang="en-US" sz="2200" dirty="0">
               <a:solidFill>
                 <a:srgbClr val="0000FF"/>
               </a:solidFill>
@@ -6038,16 +5668,6 @@
           <a:p>
             <a:pPr marL="609600" indent="-342900" algn="just"/>
             <a:r>
-              <a:rPr lang="en-US" sz="2400" dirty="0" smtClean="0">
-                <a:solidFill>
-                  <a:srgbClr val="CC0099"/>
-                </a:solidFill>
-                <a:latin typeface="Times New Roman" pitchFamily="18" charset="0"/>
-                <a:cs typeface="Times New Roman" pitchFamily="18" charset="0"/>
-              </a:rPr>
-              <a:t>To </a:t>
-            </a:r>
-            <a:r>
               <a:rPr lang="en-US" sz="2400" dirty="0">
                 <a:solidFill>
                   <a:srgbClr val="CC0099"/>
@@ -6055,18 +5675,33 @@
                 <a:latin typeface="Times New Roman" pitchFamily="18" charset="0"/>
                 <a:cs typeface="Times New Roman" pitchFamily="18" charset="0"/>
               </a:rPr>
-              <a:t>develop an IoT-based water quality </a:t>
-            </a:r>
-            <a:r>
-              <a:rPr lang="en-US" sz="2400" dirty="0" smtClean="0">
-                <a:solidFill>
-                  <a:srgbClr val="CC0099"/>
-                </a:solidFill>
+              <a:t>To develop an IoT-based water quality monitoring system </a:t>
+            </a:r>
+            <a:r>
+              <a:rPr lang="en-US" sz="2400" dirty="0">
                 <a:latin typeface="Times New Roman" pitchFamily="18" charset="0"/>
                 <a:cs typeface="Times New Roman" pitchFamily="18" charset="0"/>
               </a:rPr>
-              <a:t>monitoring </a:t>
-            </a:r>
+              <a:t>for a rural drinking water distribution system </a:t>
+            </a:r>
+            <a:r>
+              <a:rPr lang="en-US" sz="2400" dirty="0">
+                <a:latin typeface="Times New Roman" pitchFamily="18" charset="0"/>
+                <a:cs typeface="Times New Roman" pitchFamily="18" charset="0"/>
+                <a:sym typeface="Wingdings" panose="05000000000000000000" pitchFamily="2" charset="2"/>
+              </a:rPr>
+              <a:t> </a:t>
+            </a:r>
+            <a:r>
+              <a:rPr lang="en-US" sz="2400" dirty="0">
+                <a:latin typeface="Times New Roman" pitchFamily="18" charset="0"/>
+                <a:cs typeface="Times New Roman" pitchFamily="18" charset="0"/>
+              </a:rPr>
+              <a:t>sensors, a powerful controller, a seamless communication network, a fixed access point and a personalized anchored float (buoyage). </a:t>
+            </a:r>
+          </a:p>
+          <a:p>
+            <a:pPr marL="609600" indent="-342900" algn="just"/>
             <a:r>
               <a:rPr lang="en-US" sz="2400" dirty="0">
                 <a:solidFill>
@@ -6075,136 +5710,31 @@
                 <a:latin typeface="Times New Roman" pitchFamily="18" charset="0"/>
                 <a:cs typeface="Times New Roman" pitchFamily="18" charset="0"/>
               </a:rPr>
-              <a:t>system </a:t>
-            </a:r>
-            <a:r>
-              <a:rPr lang="en-US" sz="2400" dirty="0" smtClean="0">
-                <a:latin typeface="Times New Roman" pitchFamily="18" charset="0"/>
-                <a:cs typeface="Times New Roman" pitchFamily="18" charset="0"/>
-              </a:rPr>
-              <a:t>for </a:t>
+              <a:t>To measure critical quality parameters </a:t>
             </a:r>
             <a:r>
               <a:rPr lang="en-US" sz="2400" dirty="0">
                 <a:latin typeface="Times New Roman" pitchFamily="18" charset="0"/>
                 <a:cs typeface="Times New Roman" pitchFamily="18" charset="0"/>
               </a:rPr>
-              <a:t>a rural drinking water distribution </a:t>
-            </a:r>
-            <a:r>
-              <a:rPr lang="en-US" sz="2400" dirty="0" smtClean="0">
-                <a:latin typeface="Times New Roman" pitchFamily="18" charset="0"/>
-                <a:cs typeface="Times New Roman" pitchFamily="18" charset="0"/>
-              </a:rPr>
-              <a:t>system</a:t>
-            </a:r>
-            <a:r>
-              <a:rPr lang="en-US" sz="2400" dirty="0">
-                <a:latin typeface="Times New Roman" pitchFamily="18" charset="0"/>
-                <a:cs typeface="Times New Roman" pitchFamily="18" charset="0"/>
-              </a:rPr>
-              <a:t> </a:t>
-            </a:r>
-            <a:r>
-              <a:rPr lang="en-US" sz="2400" dirty="0" smtClean="0">
-                <a:latin typeface="Times New Roman" pitchFamily="18" charset="0"/>
-                <a:cs typeface="Times New Roman" pitchFamily="18" charset="0"/>
-                <a:sym typeface="Wingdings" panose="05000000000000000000" pitchFamily="2" charset="2"/>
-              </a:rPr>
-              <a:t> </a:t>
-            </a:r>
-            <a:r>
-              <a:rPr lang="en-US" sz="2400" dirty="0" smtClean="0">
-                <a:latin typeface="Times New Roman" pitchFamily="18" charset="0"/>
-                <a:cs typeface="Times New Roman" pitchFamily="18" charset="0"/>
-              </a:rPr>
-              <a:t>sensors, </a:t>
-            </a:r>
-            <a:r>
-              <a:rPr lang="en-US" sz="2400" dirty="0">
-                <a:latin typeface="Times New Roman" pitchFamily="18" charset="0"/>
-                <a:cs typeface="Times New Roman" pitchFamily="18" charset="0"/>
-              </a:rPr>
-              <a:t>a powerful controller, a seamless communication network, a fixed </a:t>
-            </a:r>
-            <a:r>
-              <a:rPr lang="en-US" sz="2400" dirty="0" smtClean="0">
-                <a:latin typeface="Times New Roman" pitchFamily="18" charset="0"/>
-                <a:cs typeface="Times New Roman" pitchFamily="18" charset="0"/>
-              </a:rPr>
-              <a:t>access point </a:t>
-            </a:r>
-            <a:r>
-              <a:rPr lang="en-US" sz="2400" dirty="0">
-                <a:latin typeface="Times New Roman" pitchFamily="18" charset="0"/>
-                <a:cs typeface="Times New Roman" pitchFamily="18" charset="0"/>
-              </a:rPr>
-              <a:t>and a personalized anchored float (buoyage). </a:t>
-            </a:r>
-            <a:endParaRPr lang="en-US" sz="2400" dirty="0" smtClean="0">
+              <a:t>including temperature, conductivity, turbidity, and pH</a:t>
+            </a:r>
+          </a:p>
+          <a:p>
+            <a:pPr marL="266700" indent="0" algn="just">
+              <a:buNone/>
+            </a:pPr>
+            <a:endParaRPr lang="en-US" sz="2400" dirty="0">
               <a:latin typeface="Times New Roman" pitchFamily="18" charset="0"/>
               <a:cs typeface="Times New Roman" pitchFamily="18" charset="0"/>
             </a:endParaRPr>
           </a:p>
           <a:p>
-            <a:pPr marL="609600" indent="-342900" algn="just"/>
-            <a:r>
-              <a:rPr lang="en-US" sz="2400" dirty="0" smtClean="0">
-                <a:solidFill>
-                  <a:srgbClr val="CC0099"/>
-                </a:solidFill>
-                <a:latin typeface="Times New Roman" pitchFamily="18" charset="0"/>
-                <a:cs typeface="Times New Roman" pitchFamily="18" charset="0"/>
-              </a:rPr>
-              <a:t>To measure </a:t>
-            </a:r>
-            <a:r>
-              <a:rPr lang="en-US" sz="2400" dirty="0">
-                <a:solidFill>
-                  <a:srgbClr val="CC0099"/>
-                </a:solidFill>
-                <a:latin typeface="Times New Roman" pitchFamily="18" charset="0"/>
-                <a:cs typeface="Times New Roman" pitchFamily="18" charset="0"/>
-              </a:rPr>
-              <a:t>critical quality parameters </a:t>
-            </a:r>
-            <a:r>
-              <a:rPr lang="en-US" sz="2400" dirty="0" smtClean="0">
-                <a:latin typeface="Times New Roman" pitchFamily="18" charset="0"/>
-                <a:cs typeface="Times New Roman" pitchFamily="18" charset="0"/>
-              </a:rPr>
-              <a:t>including </a:t>
-            </a:r>
-            <a:r>
-              <a:rPr lang="en-US" sz="2400" dirty="0">
-                <a:latin typeface="Times New Roman" pitchFamily="18" charset="0"/>
-                <a:cs typeface="Times New Roman" pitchFamily="18" charset="0"/>
-              </a:rPr>
-              <a:t>temperature, conductivity, turbidity, and </a:t>
-            </a:r>
-            <a:r>
-              <a:rPr lang="en-US" sz="2400" dirty="0" smtClean="0">
-                <a:latin typeface="Times New Roman" pitchFamily="18" charset="0"/>
-                <a:cs typeface="Times New Roman" pitchFamily="18" charset="0"/>
-              </a:rPr>
-              <a:t>pH</a:t>
-            </a:r>
-          </a:p>
-          <a:p>
-            <a:pPr marL="266700" indent="0" algn="just">
-              <a:buNone/>
-            </a:pPr>
-            <a:endParaRPr lang="en-US" sz="2400" dirty="0" smtClean="0">
-              <a:latin typeface="Times New Roman" pitchFamily="18" charset="0"/>
-              <a:cs typeface="Times New Roman" pitchFamily="18" charset="0"/>
-            </a:endParaRPr>
-          </a:p>
-          <a:p>
             <a:pPr marL="266700" indent="-266700" algn="just">
               <a:buNone/>
             </a:pPr>
             <a:r>
-              <a:rPr lang="en-US" sz="2400" b="1" dirty="0" smtClean="0">
+              <a:rPr lang="en-US" sz="2400" b="1" dirty="0">
                 <a:solidFill>
                   <a:srgbClr val="0000FF"/>
                 </a:solidFill>
@@ -6217,18 +5747,11 @@
           <a:p>
             <a:pPr marL="742950" lvl="1" indent="-477838" algn="just"/>
             <a:r>
-              <a:rPr lang="en-US" dirty="0" smtClean="0">
-                <a:latin typeface="Times New Roman" panose="02020603050405020304" pitchFamily="18" charset="0"/>
-                <a:cs typeface="Times New Roman" panose="02020603050405020304" pitchFamily="18" charset="0"/>
-              </a:rPr>
-              <a:t>A </a:t>
-            </a:r>
-            <a:r>
               <a:rPr lang="en-US" dirty="0">
                 <a:latin typeface="Times New Roman" panose="02020603050405020304" pitchFamily="18" charset="0"/>
                 <a:cs typeface="Times New Roman" panose="02020603050405020304" pitchFamily="18" charset="0"/>
               </a:rPr>
-              <a:t>real-time </a:t>
+              <a:t>A real-time </a:t>
             </a:r>
             <a:r>
               <a:rPr lang="en-US" dirty="0">
@@ -6245,31 +5768,17 @@
                 <a:latin typeface="Times New Roman" panose="02020603050405020304" pitchFamily="18" charset="0"/>
                 <a:cs typeface="Times New Roman" panose="02020603050405020304" pitchFamily="18" charset="0"/>
               </a:rPr>
-              <a:t>is proposed for rural </a:t>
-            </a:r>
-            <a:r>
-              <a:rPr lang="en-US" dirty="0" smtClean="0">
-                <a:latin typeface="Times New Roman" panose="02020603050405020304" pitchFamily="18" charset="0"/>
-                <a:cs typeface="Times New Roman" panose="02020603050405020304" pitchFamily="18" charset="0"/>
-              </a:rPr>
-              <a:t>areas</a:t>
+              <a:t>is proposed for rural areas</a:t>
             </a:r>
           </a:p>
           <a:p>
             <a:pPr marL="742950" lvl="1" indent="-477838" algn="just"/>
-            <a:r>
-              <a:rPr lang="en-US" dirty="0" smtClean="0">
-                <a:latin typeface="Times New Roman" panose="02020603050405020304" pitchFamily="18" charset="0"/>
-                <a:cs typeface="Times New Roman" panose="02020603050405020304" pitchFamily="18" charset="0"/>
-              </a:rPr>
-              <a:t>A </a:t>
-            </a:r>
             <a:r>
               <a:rPr lang="en-US" dirty="0">
                 <a:latin typeface="Times New Roman" panose="02020603050405020304" pitchFamily="18" charset="0"/>
                 <a:cs typeface="Times New Roman" panose="02020603050405020304" pitchFamily="18" charset="0"/>
               </a:rPr>
-              <a:t>method is developed to direct a </a:t>
+              <a:t>A method is developed to direct a </a:t>
             </a:r>
             <a:r>
               <a:rPr lang="en-US" dirty="0">
@@ -6293,7 +5802,7 @@
             <a:pPr marL="266700" indent="0" algn="just">
               <a:buNone/>
             </a:pPr>
-            <a:endParaRPr lang="en-US" sz="2200" dirty="0" smtClean="0">
+            <a:endParaRPr lang="en-US" sz="2200" dirty="0">
               <a:latin typeface="Times New Roman" pitchFamily="18" charset="0"/>
               <a:cs typeface="Times New Roman" pitchFamily="18" charset="0"/>
             </a:endParaRPr>
@@ -6305,7 +5814,7 @@
           <p:cNvPr id="6" name="Footer Placeholder 5">
             <a:extLst>
               <a:ext uri="{FF2B5EF4-FFF2-40B4-BE49-F238E27FC236}">
-                <a16:creationId xmlns="" xmlns:a16="http://schemas.microsoft.com/office/drawing/2014/main" id="{34B41821-154F-B082-FD11-BD07669AE818}"/>
+                <a16:creationId xmlns:a16="http://schemas.microsoft.com/office/drawing/2014/main" id="{34B41821-154F-B082-FD11-BD07669AE818}"/>
               </a:ext>
             </a:extLst>
           </p:cNvPr>
@@ -6334,7 +5843,7 @@
           <p:cNvPr id="7" name="Slide Number Placeholder 6">
             <a:extLst>
               <a:ext uri="{FF2B5EF4-FFF2-40B4-BE49-F238E27FC236}">
-                <a16:creationId xmlns="" xmlns:a16="http://schemas.microsoft.com/office/drawing/2014/main" id="{12D715C5-FD7E-1BFA-CF43-53F99A3485C1}"/>
+                <a16:creationId xmlns:a16="http://schemas.microsoft.com/office/drawing/2014/main" id="{12D715C5-FD7E-1BFA-CF43-53F99A3485C1}"/>
               </a:ext>
             </a:extLst>
           </p:cNvPr>
@@ -6368,10 +5877,10 @@
             <a:picLocks noChangeAspect="1"/>
           </p:cNvPicPr>
           <p:nvPr>
-            <a:audioFile r:link="rId1"/>
+            <a:audioFile r:link="rId2"/>
             <p:extLst>
               <p:ext uri="{DAA4B4D4-6D71-4841-9C94-3DE7FCFB9230}">
-                <p14:media xmlns:p14="http://schemas.microsoft.com/office/powerpoint/2010/main" xmlns="" r:embed="rId4"/>
+                <p14:media xmlns:p14="http://schemas.microsoft.com/office/powerpoint/2010/main" r:embed="rId1"/>
               </p:ext>
             </p:extLst>
           </p:nvPr>
@@ -6395,18 +5904,18 @@
     </p:spTree>
     <p:extLst>
       <p:ext uri="{BB962C8B-B14F-4D97-AF65-F5344CB8AC3E}">
-        <p14:creationId xmlns:p14="http://schemas.microsoft.com/office/powerpoint/2010/main" xmlns="" val="2254435874"/>
+        <p14:creationId xmlns:p14="http://schemas.microsoft.com/office/powerpoint/2010/main" val="2254435874"/>
       </p:ext>
     </p:extLst>
   </p:cSld>
   <p:clrMapOvr>
     <a:masterClrMapping/>
   </p:clrMapOvr>
-  <mc:AlternateContent xmlns:mc="http://schemas.openxmlformats.org/markup-compatibility/2006">
-    <mc:Choice xmlns:p14="http://schemas.microsoft.com/office/powerpoint/2010/main" xmlns="" Requires="p14">
+  <mc:AlternateContent xmlns:mc="http://schemas.openxmlformats.org/markup-compatibility/2006" xmlns:p14="http://schemas.microsoft.com/office/powerpoint/2010/main">
+    <mc:Choice Requires="p14">
       <p:transition spd="slow" p14:dur="2000" advTm="4"/>
     </mc:Choice>
-    <mc:Fallback>
+    <mc:Fallback xmlns="">
       <p:transition spd="slow" advTm="4"/>
     </mc:Fallback>
   </mc:AlternateContent>
@@ -6522,7 +6031,7 @@
           <p:cNvPr id="2" name="Title 1">
             <a:extLst>
               <a:ext uri="{FF2B5EF4-FFF2-40B4-BE49-F238E27FC236}">
-                <a16:creationId xmlns="" xmlns:a16="http://schemas.microsoft.com/office/drawing/2014/main" id="{E1F8FE63-5EED-0291-2DAE-16B17A11E5C1}"/>
+                <a16:creationId xmlns:a16="http://schemas.microsoft.com/office/drawing/2014/main" id="{E1F8FE63-5EED-0291-2DAE-16B17A11E5C1}"/>
               </a:ext>
             </a:extLst>
           </p:cNvPr>
@@ -6542,7 +6051,7 @@
           <a:p>
             <a:pPr lvl="0" algn="ctr"/>
             <a:r>
-              <a:rPr lang="en-US" sz="2800" b="1" dirty="0" smtClean="0">
+              <a:rPr lang="en-US" sz="2800" b="1" dirty="0">
                 <a:latin typeface="Times New Roman" pitchFamily="18" charset="0"/>
                 <a:cs typeface="Times New Roman" pitchFamily="18" charset="0"/>
               </a:rPr>
@@ -6557,7 +6066,7 @@
           <p:cNvPr id="6" name="Footer Placeholder 5">
             <a:extLst>
               <a:ext uri="{FF2B5EF4-FFF2-40B4-BE49-F238E27FC236}">
-                <a16:creationId xmlns="" xmlns:a16="http://schemas.microsoft.com/office/drawing/2014/main" id="{34B41821-154F-B082-FD11-BD07669AE818}"/>
+                <a16:creationId xmlns:a16="http://schemas.microsoft.com/office/drawing/2014/main" id="{34B41821-154F-B082-FD11-BD07669AE818}"/>
               </a:ext>
             </a:extLst>
           </p:cNvPr>
@@ -6586,7 +6095,7 @@
           <p:cNvPr id="7" name="Slide Number Placeholder 6">
             <a:extLst>
               <a:ext uri="{FF2B5EF4-FFF2-40B4-BE49-F238E27FC236}">
-                <a16:creationId xmlns="" xmlns:a16="http://schemas.microsoft.com/office/drawing/2014/main" id="{12D715C5-FD7E-1BFA-CF43-53F99A3485C1}"/>
+                <a16:creationId xmlns:a16="http://schemas.microsoft.com/office/drawing/2014/main" id="{12D715C5-FD7E-1BFA-CF43-53F99A3485C1}"/>
               </a:ext>
             </a:extLst>
           </p:cNvPr>
@@ -6622,7 +6131,7 @@
           </p:nvPr>
         </p:nvPicPr>
         <p:blipFill>
-          <a:blip r:embed="rId4" cstate="print"/>
+          <a:blip r:embed="rId5" cstate="print"/>
           <a:stretch>
             <a:fillRect/>
           </a:stretch>
@@ -6699,7 +6208,7 @@
           <p:nvPr/>
         </p:nvPicPr>
         <p:blipFill>
-          <a:blip r:embed="rId5" cstate="print"/>
+          <a:blip r:embed="rId6" cstate="print"/>
           <a:stretch>
             <a:fillRect/>
           </a:stretch>
@@ -6808,10 +6317,10 @@
             <a:picLocks noChangeAspect="1"/>
           </p:cNvPicPr>
           <p:nvPr>
-            <a:audioFile r:link="rId1"/>
+            <a:audioFile r:link="rId2"/>
             <p:extLst>
               <p:ext uri="{DAA4B4D4-6D71-4841-9C94-3DE7FCFB9230}">
-                <p14:media xmlns:p14="http://schemas.microsoft.com/office/powerpoint/2010/main" xmlns="" r:embed="rId6"/>
+                <p14:media xmlns:p14="http://schemas.microsoft.com/office/powerpoint/2010/main" r:embed="rId1"/>
               </p:ext>
             </p:extLst>
           </p:nvPr>
@@ -6835,18 +6344,18 @@
     </p:spTree>
     <p:extLst>
       <p:ext uri="{BB962C8B-B14F-4D97-AF65-F5344CB8AC3E}">
-        <p14:creationId xmlns:p14="http://schemas.microsoft.com/office/powerpoint/2010/main" xmlns="" val="2786521532"/>
+        <p14:creationId xmlns:p14="http://schemas.microsoft.com/office/powerpoint/2010/main" val="2786521532"/>
       </p:ext>
     </p:extLst>
   </p:cSld>
   <p:clrMapOvr>
     <a:masterClrMapping/>
   </p:clrMapOvr>
-  <mc:AlternateContent xmlns:mc="http://schemas.openxmlformats.org/markup-compatibility/2006">
-    <mc:Choice xmlns:p14="http://schemas.microsoft.com/office/powerpoint/2010/main" xmlns="" Requires="p14">
+  <mc:AlternateContent xmlns:mc="http://schemas.openxmlformats.org/markup-compatibility/2006" xmlns:p14="http://schemas.microsoft.com/office/powerpoint/2010/main">
+    <mc:Choice Requires="p14">
       <p:transition spd="slow" p14:dur="2000" advTm="4"/>
     </mc:Choice>
-    <mc:Fallback>
+    <mc:Fallback xmlns="">
       <p:transition spd="slow" advTm="4"/>
     </mc:Fallback>
   </mc:AlternateContent>
@@ -6962,7 +6471,7 @@
           <p:cNvPr id="2" name="Title 1">
             <a:extLst>
               <a:ext uri="{FF2B5EF4-FFF2-40B4-BE49-F238E27FC236}">
-                <a16:creationId xmlns="" xmlns:a16="http://schemas.microsoft.com/office/drawing/2014/main" id="{E1F8FE63-5EED-0291-2DAE-16B17A11E5C1}"/>
+                <a16:creationId xmlns:a16="http://schemas.microsoft.com/office/drawing/2014/main" id="{E1F8FE63-5EED-0291-2DAE-16B17A11E5C1}"/>
               </a:ext>
             </a:extLst>
           </p:cNvPr>
@@ -6982,18 +6491,11 @@
           <a:p>
             <a:pPr lvl="0" algn="ctr"/>
             <a:r>
-              <a:rPr lang="en-US" sz="2800" b="1" dirty="0" smtClean="0">
-                <a:latin typeface="Times New Roman" pitchFamily="18" charset="0"/>
-                <a:cs typeface="Times New Roman" pitchFamily="18" charset="0"/>
-              </a:rPr>
-              <a:t>Selection </a:t>
-            </a:r>
-            <a:r>
               <a:rPr lang="en-US" sz="2800" b="1" dirty="0">
                 <a:latin typeface="Times New Roman" pitchFamily="18" charset="0"/>
                 <a:cs typeface="Times New Roman" pitchFamily="18" charset="0"/>
               </a:rPr>
-              <a:t>of Sensing Probes</a:t>
+              <a:t>Selection of Sensing Probes</a:t>
             </a:r>
           </a:p>
         </p:txBody>
@@ -7003,7 +6505,7 @@
           <p:cNvPr id="6" name="Footer Placeholder 5">
             <a:extLst>
               <a:ext uri="{FF2B5EF4-FFF2-40B4-BE49-F238E27FC236}">
-                <a16:creationId xmlns="" xmlns:a16="http://schemas.microsoft.com/office/drawing/2014/main" id="{34B41821-154F-B082-FD11-BD07669AE818}"/>
+                <a16:creationId xmlns:a16="http://schemas.microsoft.com/office/drawing/2014/main" id="{34B41821-154F-B082-FD11-BD07669AE818}"/>
               </a:ext>
             </a:extLst>
           </p:cNvPr>
@@ -7032,7 +6534,7 @@
           <p:cNvPr id="7" name="Slide Number Placeholder 6">
             <a:extLst>
               <a:ext uri="{FF2B5EF4-FFF2-40B4-BE49-F238E27FC236}">
-                <a16:creationId xmlns="" xmlns:a16="http://schemas.microsoft.com/office/drawing/2014/main" id="{12D715C5-FD7E-1BFA-CF43-53F99A3485C1}"/>
+                <a16:creationId xmlns:a16="http://schemas.microsoft.com/office/drawing/2014/main" id="{12D715C5-FD7E-1BFA-CF43-53F99A3485C1}"/>
               </a:ext>
             </a:extLst>
           </p:cNvPr>
@@ -7064,7 +6566,7 @@
           <p:nvPr/>
         </p:nvPicPr>
         <p:blipFill>
-          <a:blip r:embed="rId4" cstate="print"/>
+          <a:blip r:embed="rId5" cstate="print"/>
           <a:stretch>
             <a:fillRect/>
           </a:stretch>
@@ -7199,18 +6701,7 @@
                 <a:latin typeface="Times New Roman" panose="02020603050405020304" pitchFamily="18" charset="0"/>
                 <a:ea typeface="Times New Roman" panose="02020603050405020304" pitchFamily="18" charset="0"/>
               </a:rPr>
-              <a:t> SEN0189 - Turbidity </a:t>
-            </a:r>
-            <a:r>
-              <a:rPr lang="en-IN" sz="2000" dirty="0" smtClean="0">
-                <a:solidFill>
-                  <a:srgbClr val="000000"/>
-                </a:solidFill>
-                <a:effectLst/>
-                <a:latin typeface="Times New Roman" panose="02020603050405020304" pitchFamily="18" charset="0"/>
-                <a:ea typeface="Times New Roman" panose="02020603050405020304" pitchFamily="18" charset="0"/>
-              </a:rPr>
-              <a:t>sensor</a:t>
+              <a:t> SEN0189 - Turbidity sensor</a:t>
             </a:r>
             <a:endParaRPr lang="en-IN" sz="2000" dirty="0">
               <a:effectLst/>
@@ -7559,14 +7050,14 @@
           <a:effectLst/>
           <a:extLst>
             <a:ext uri="{909E8E84-426E-40DD-AFC4-6F175D3DCCD1}">
-              <a14:hiddenFill xmlns:a14="http://schemas.microsoft.com/office/drawing/2010/main" xmlns="">
+              <a14:hiddenFill xmlns:a14="http://schemas.microsoft.com/office/drawing/2010/main">
                 <a:solidFill>
                   <a:schemeClr val="accent1"/>
                 </a:solidFill>
               </a14:hiddenFill>
             </a:ext>
             <a:ext uri="{91240B29-F687-4F45-9708-019B960494DF}">
-              <a14:hiddenLine xmlns:a14="http://schemas.microsoft.com/office/drawing/2010/main" xmlns="" w="9525">
+              <a14:hiddenLine xmlns:a14="http://schemas.microsoft.com/office/drawing/2010/main" w="9525">
                 <a:solidFill>
                   <a:schemeClr val="tx1"/>
                 </a:solidFill>
@@ -7576,7 +7067,7 @@
               </a14:hiddenLine>
             </a:ext>
             <a:ext uri="{AF507438-7753-43E0-B8FC-AC1667EBCBE1}">
-              <a14:hiddenEffects xmlns:a14="http://schemas.microsoft.com/office/drawing/2010/main" xmlns="">
+              <a14:hiddenEffects xmlns:a14="http://schemas.microsoft.com/office/drawing/2010/main">
                 <a:effectLst>
                   <a:outerShdw dist="35921" dir="2700000" algn="ctr" rotWithShape="0">
                     <a:schemeClr val="bg2"/>
@@ -7606,10 +7097,10 @@
           <p:nvPr/>
         </p:nvPicPr>
         <p:blipFill>
-          <a:blip r:embed="rId5" cstate="print">
+          <a:blip r:embed="rId6" cstate="print">
             <a:extLst>
               <a:ext uri="{28A0092B-C50C-407E-A947-70E740481C1C}">
-                <a14:useLocalDpi xmlns:a14="http://schemas.microsoft.com/office/drawing/2010/main" xmlns="" val="0"/>
+                <a14:useLocalDpi xmlns:a14="http://schemas.microsoft.com/office/drawing/2010/main" val="0"/>
               </a:ext>
             </a:extLst>
           </a:blip>
@@ -7638,10 +7129,10 @@
           <p:nvPr/>
         </p:nvPicPr>
         <p:blipFill>
-          <a:blip r:embed="rId6" cstate="print">
+          <a:blip r:embed="rId7" cstate="print">
             <a:extLst>
               <a:ext uri="{28A0092B-C50C-407E-A947-70E740481C1C}">
-                <a14:useLocalDpi xmlns:a14="http://schemas.microsoft.com/office/drawing/2010/main" xmlns="" val="0"/>
+                <a14:useLocalDpi xmlns:a14="http://schemas.microsoft.com/office/drawing/2010/main" val="0"/>
               </a:ext>
             </a:extLst>
           </a:blip>
@@ -7670,10 +7161,10 @@
           <p:nvPr/>
         </p:nvPicPr>
         <p:blipFill>
-          <a:blip r:embed="rId7" cstate="print">
+          <a:blip r:embed="rId8" cstate="print">
             <a:extLst>
               <a:ext uri="{28A0092B-C50C-407E-A947-70E740481C1C}">
-                <a14:useLocalDpi xmlns:a14="http://schemas.microsoft.com/office/drawing/2010/main" xmlns="" val="0"/>
+                <a14:useLocalDpi xmlns:a14="http://schemas.microsoft.com/office/drawing/2010/main" val="0"/>
               </a:ext>
             </a:extLst>
           </a:blip>
@@ -7702,10 +7193,10 @@
           <p:nvPr/>
         </p:nvPicPr>
         <p:blipFill>
-          <a:blip r:embed="rId8" cstate="print">
+          <a:blip r:embed="rId9" cstate="print">
             <a:extLst>
               <a:ext uri="{28A0092B-C50C-407E-A947-70E740481C1C}">
-                <a14:useLocalDpi xmlns:a14="http://schemas.microsoft.com/office/drawing/2010/main" xmlns="" val="0"/>
+                <a14:useLocalDpi xmlns:a14="http://schemas.microsoft.com/office/drawing/2010/main" val="0"/>
               </a:ext>
             </a:extLst>
           </a:blip>
@@ -7734,10 +7225,10 @@
           <p:nvPr/>
         </p:nvPicPr>
         <p:blipFill>
-          <a:blip r:embed="rId9" cstate="print">
+          <a:blip r:embed="rId10" cstate="print">
             <a:extLst>
               <a:ext uri="{28A0092B-C50C-407E-A947-70E740481C1C}">
-                <a14:useLocalDpi xmlns:a14="http://schemas.microsoft.com/office/drawing/2010/main" xmlns="" val="0"/>
+                <a14:useLocalDpi xmlns:a14="http://schemas.microsoft.com/office/drawing/2010/main" val="0"/>
               </a:ext>
             </a:extLst>
           </a:blip>
@@ -7768,10 +7259,10 @@
             <a:picLocks noChangeAspect="1"/>
           </p:cNvPicPr>
           <p:nvPr>
-            <a:audioFile r:link="rId1"/>
+            <a:audioFile r:link="rId2"/>
             <p:extLst>
               <p:ext uri="{DAA4B4D4-6D71-4841-9C94-3DE7FCFB9230}">
-                <p14:media xmlns:p14="http://schemas.microsoft.com/office/powerpoint/2010/main" xmlns="" r:embed="rId10"/>
+                <p14:media xmlns:p14="http://schemas.microsoft.com/office/powerpoint/2010/main" r:embed="rId1"/>
               </p:ext>
             </p:extLst>
           </p:nvPr>
@@ -7795,18 +7286,18 @@
     </p:spTree>
     <p:extLst>
       <p:ext uri="{BB962C8B-B14F-4D97-AF65-F5344CB8AC3E}">
-        <p14:creationId xmlns:p14="http://schemas.microsoft.com/office/powerpoint/2010/main" xmlns="" val="153061234"/>
+        <p14:creationId xmlns:p14="http://schemas.microsoft.com/office/powerpoint/2010/main" val="153061234"/>
       </p:ext>
     </p:extLst>
   </p:cSld>
   <p:clrMapOvr>
     <a:masterClrMapping/>
   </p:clrMapOvr>
-  <mc:AlternateContent xmlns:mc="http://schemas.openxmlformats.org/markup-compatibility/2006">
-    <mc:Choice xmlns:p14="http://schemas.microsoft.com/office/powerpoint/2010/main" xmlns="" Requires="p14">
+  <mc:AlternateContent xmlns:mc="http://schemas.openxmlformats.org/markup-compatibility/2006" xmlns:p14="http://schemas.microsoft.com/office/powerpoint/2010/main">
+    <mc:Choice Requires="p14">
       <p:transition spd="slow" p14:dur="2000" advTm="1782"/>
     </mc:Choice>
-    <mc:Fallback>
+    <mc:Fallback xmlns="">
       <p:transition spd="slow" advTm="1782"/>
     </mc:Fallback>
   </mc:AlternateContent>
@@ -7922,7 +7413,7 @@
           <p:cNvPr id="2" name="Title 1">
             <a:extLst>
               <a:ext uri="{FF2B5EF4-FFF2-40B4-BE49-F238E27FC236}">
-                <a16:creationId xmlns="" xmlns:a16="http://schemas.microsoft.com/office/drawing/2014/main" id="{E1F8FE63-5EED-0291-2DAE-16B17A11E5C1}"/>
+                <a16:creationId xmlns:a16="http://schemas.microsoft.com/office/drawing/2014/main" id="{E1F8FE63-5EED-0291-2DAE-16B17A11E5C1}"/>
               </a:ext>
             </a:extLst>
           </p:cNvPr>
@@ -7965,7 +7456,7 @@
           <p:cNvPr id="6" name="Footer Placeholder 5">
             <a:extLst>
               <a:ext uri="{FF2B5EF4-FFF2-40B4-BE49-F238E27FC236}">
-                <a16:creationId xmlns="" xmlns:a16="http://schemas.microsoft.com/office/drawing/2014/main" id="{34B41821-154F-B082-FD11-BD07669AE818}"/>
+                <a16:creationId xmlns:a16="http://schemas.microsoft.com/office/drawing/2014/main" id="{34B41821-154F-B082-FD11-BD07669AE818}"/>
               </a:ext>
             </a:extLst>
           </p:cNvPr>
@@ -7994,7 +7485,7 @@
           <p:cNvPr id="7" name="Slide Number Placeholder 6">
             <a:extLst>
               <a:ext uri="{FF2B5EF4-FFF2-40B4-BE49-F238E27FC236}">
-                <a16:creationId xmlns="" xmlns:a16="http://schemas.microsoft.com/office/drawing/2014/main" id="{12D715C5-FD7E-1BFA-CF43-53F99A3485C1}"/>
+                <a16:creationId xmlns:a16="http://schemas.microsoft.com/office/drawing/2014/main" id="{12D715C5-FD7E-1BFA-CF43-53F99A3485C1}"/>
               </a:ext>
             </a:extLst>
           </p:cNvPr>
@@ -8042,14 +7533,14 @@
           <a:effectLst/>
           <a:extLst>
             <a:ext uri="{909E8E84-426E-40DD-AFC4-6F175D3DCCD1}">
-              <a14:hiddenFill xmlns:a14="http://schemas.microsoft.com/office/drawing/2010/main" xmlns="">
+              <a14:hiddenFill xmlns:a14="http://schemas.microsoft.com/office/drawing/2010/main">
                 <a:solidFill>
                   <a:schemeClr val="accent1"/>
                 </a:solidFill>
               </a14:hiddenFill>
             </a:ext>
             <a:ext uri="{91240B29-F687-4F45-9708-019B960494DF}">
-              <a14:hiddenLine xmlns:a14="http://schemas.microsoft.com/office/drawing/2010/main" xmlns="" w="9525">
+              <a14:hiddenLine xmlns:a14="http://schemas.microsoft.com/office/drawing/2010/main" w="9525">
                 <a:solidFill>
                   <a:schemeClr val="tx1"/>
                 </a:solidFill>
@@ -8059,7 +7550,7 @@
               </a14:hiddenLine>
             </a:ext>
             <a:ext uri="{AF507438-7753-43E0-B8FC-AC1667EBCBE1}">
-              <a14:hiddenEffects xmlns:a14="http://schemas.microsoft.com/office/drawing/2010/main" xmlns="">
+              <a14:hiddenEffects xmlns:a14="http://schemas.microsoft.com/office/drawing/2010/main">
                 <a:effectLst>
                   <a:outerShdw dist="35921" dir="2700000" algn="ctr" rotWithShape="0">
                     <a:schemeClr val="bg2"/>
@@ -8089,10 +7580,10 @@
           <p:nvPr/>
         </p:nvPicPr>
         <p:blipFill>
-          <a:blip r:embed="rId4" cstate="print">
+          <a:blip r:embed="rId5" cstate="print">
             <a:extLst>
               <a:ext uri="{28A0092B-C50C-407E-A947-70E740481C1C}">
-                <a14:useLocalDpi xmlns:a14="http://schemas.microsoft.com/office/drawing/2010/main" xmlns="" val="0"/>
+                <a14:useLocalDpi xmlns:a14="http://schemas.microsoft.com/office/drawing/2010/main" val="0"/>
               </a:ext>
             </a:extLst>
           </a:blip>
@@ -8121,10 +7612,10 @@
           <p:nvPr/>
         </p:nvPicPr>
         <p:blipFill>
-          <a:blip r:embed="rId5" cstate="print">
+          <a:blip r:embed="rId6" cstate="print">
             <a:extLst>
               <a:ext uri="{28A0092B-C50C-407E-A947-70E740481C1C}">
-                <a14:useLocalDpi xmlns:a14="http://schemas.microsoft.com/office/drawing/2010/main" xmlns="" val="0"/>
+                <a14:useLocalDpi xmlns:a14="http://schemas.microsoft.com/office/drawing/2010/main" val="0"/>
               </a:ext>
             </a:extLst>
           </a:blip>
@@ -8201,7 +7692,7 @@
           <p:nvPr/>
         </p:nvPicPr>
         <p:blipFill>
-          <a:blip r:embed="rId6" cstate="print"/>
+          <a:blip r:embed="rId7" cstate="print"/>
           <a:stretch>
             <a:fillRect/>
           </a:stretch>
@@ -8223,10 +7714,10 @@
           <p:nvPr/>
         </p:nvPicPr>
         <p:blipFill>
-          <a:blip r:embed="rId7" cstate="print">
+          <a:blip r:embed="rId8" cstate="print">
             <a:extLst>
               <a:ext uri="{28A0092B-C50C-407E-A947-70E740481C1C}">
-                <a14:useLocalDpi xmlns:a14="http://schemas.microsoft.com/office/drawing/2010/main" xmlns="" val="0"/>
+                <a14:useLocalDpi xmlns:a14="http://schemas.microsoft.com/office/drawing/2010/main" val="0"/>
               </a:ext>
             </a:extLst>
           </a:blip>
@@ -8255,10 +7746,10 @@
           <p:nvPr/>
         </p:nvPicPr>
         <p:blipFill>
-          <a:blip r:embed="rId8" cstate="print">
+          <a:blip r:embed="rId9" cstate="print">
             <a:extLst>
               <a:ext uri="{28A0092B-C50C-407E-A947-70E740481C1C}">
-                <a14:useLocalDpi xmlns:a14="http://schemas.microsoft.com/office/drawing/2010/main" xmlns="" val="0"/>
+                <a14:useLocalDpi xmlns:a14="http://schemas.microsoft.com/office/drawing/2010/main" val="0"/>
               </a:ext>
             </a:extLst>
           </a:blip>
@@ -8440,10 +7931,10 @@
             <a:picLocks noChangeAspect="1"/>
           </p:cNvPicPr>
           <p:nvPr>
-            <a:audioFile r:link="rId1"/>
+            <a:audioFile r:link="rId2"/>
             <p:extLst>
               <p:ext uri="{DAA4B4D4-6D71-4841-9C94-3DE7FCFB9230}">
-                <p14:media xmlns:p14="http://schemas.microsoft.com/office/powerpoint/2010/main" xmlns="" r:embed="rId9"/>
+                <p14:media xmlns:p14="http://schemas.microsoft.com/office/powerpoint/2010/main" r:embed="rId1"/>
               </p:ext>
             </p:extLst>
           </p:nvPr>
@@ -8467,18 +7958,18 @@
     </p:spTree>
     <p:extLst>
       <p:ext uri="{BB962C8B-B14F-4D97-AF65-F5344CB8AC3E}">
-        <p14:creationId xmlns:p14="http://schemas.microsoft.com/office/powerpoint/2010/main" xmlns="" val="2857888172"/>
+        <p14:creationId xmlns:p14="http://schemas.microsoft.com/office/powerpoint/2010/main" val="2857888172"/>
       </p:ext>
     </p:extLst>
   </p:cSld>
   <p:clrMapOvr>
     <a:masterClrMapping/>
   </p:clrMapOvr>
-  <mc:AlternateContent xmlns:mc="http://schemas.openxmlformats.org/markup-compatibility/2006">
-    <mc:Choice xmlns:p14="http://schemas.microsoft.com/office/powerpoint/2010/main" xmlns="" Requires="p14">
+  <mc:AlternateContent xmlns:mc="http://schemas.openxmlformats.org/markup-compatibility/2006" xmlns:p14="http://schemas.microsoft.com/office/powerpoint/2010/main">
+    <mc:Choice Requires="p14">
       <p:transition spd="slow" p14:dur="2000" advTm="4"/>
     </mc:Choice>
-    <mc:Fallback>
+    <mc:Fallback xmlns="">
       <p:transition spd="slow" advTm="4"/>
     </mc:Fallback>
   </mc:AlternateContent>
@@ -8594,7 +8085,7 @@
           <p:cNvPr id="2" name="Title 1">
             <a:extLst>
               <a:ext uri="{FF2B5EF4-FFF2-40B4-BE49-F238E27FC236}">
-                <a16:creationId xmlns="" xmlns:a16="http://schemas.microsoft.com/office/drawing/2014/main" id="{E1F8FE63-5EED-0291-2DAE-16B17A11E5C1}"/>
+                <a16:creationId xmlns:a16="http://schemas.microsoft.com/office/drawing/2014/main" id="{E1F8FE63-5EED-0291-2DAE-16B17A11E5C1}"/>
               </a:ext>
             </a:extLst>
           </p:cNvPr>
@@ -8614,16 +8105,12 @@
           <a:p>
             <a:pPr lvl="0" algn="ctr"/>
             <a:r>
-              <a:rPr lang="en-US" sz="2800" b="1" dirty="0" smtClean="0">
+              <a:rPr lang="en-US" sz="2800" b="1" dirty="0">
                 <a:latin typeface="Times New Roman" pitchFamily="18" charset="0"/>
                 <a:cs typeface="Times New Roman" pitchFamily="18" charset="0"/>
               </a:rPr>
               <a:t>DEMO</a:t>
             </a:r>
-            <a:endParaRPr lang="en-US" sz="2800" b="1" dirty="0">
-              <a:latin typeface="Times New Roman" pitchFamily="18" charset="0"/>
-              <a:cs typeface="Times New Roman" pitchFamily="18" charset="0"/>
-            </a:endParaRPr>
           </a:p>
         </p:txBody>
       </p:sp>
@@ -8632,7 +8119,7 @@
           <p:cNvPr id="6" name="Footer Placeholder 5">
             <a:extLst>
               <a:ext uri="{FF2B5EF4-FFF2-40B4-BE49-F238E27FC236}">
-                <a16:creationId xmlns="" xmlns:a16="http://schemas.microsoft.com/office/drawing/2014/main" id="{34B41821-154F-B082-FD11-BD07669AE818}"/>
+                <a16:creationId xmlns:a16="http://schemas.microsoft.com/office/drawing/2014/main" id="{34B41821-154F-B082-FD11-BD07669AE818}"/>
               </a:ext>
             </a:extLst>
           </p:cNvPr>
@@ -8661,7 +8148,7 @@
           <p:cNvPr id="7" name="Slide Number Placeholder 6">
             <a:extLst>
               <a:ext uri="{FF2B5EF4-FFF2-40B4-BE49-F238E27FC236}">
-                <a16:creationId xmlns="" xmlns:a16="http://schemas.microsoft.com/office/drawing/2014/main" id="{12D715C5-FD7E-1BFA-CF43-53F99A3485C1}"/>
+                <a16:creationId xmlns:a16="http://schemas.microsoft.com/office/drawing/2014/main" id="{12D715C5-FD7E-1BFA-CF43-53F99A3485C1}"/>
               </a:ext>
             </a:extLst>
           </p:cNvPr>
@@ -8695,7 +8182,7 @@
           <p:nvPr>
             <p:extLst>
               <p:ext uri="{D42A27DB-BD31-4B8C-83A1-F6EECF244321}">
-                <p14:modId xmlns:p14="http://schemas.microsoft.com/office/powerpoint/2010/main" xmlns="" val="1973167272"/>
+                <p14:modId xmlns:p14="http://schemas.microsoft.com/office/powerpoint/2010/main" val="1973167272"/>
               </p:ext>
             </p:extLst>
           </p:nvPr>
@@ -8709,13 +8196,55 @@
             <a:tbl>
               <a:tblPr firstRow="1" firstCol="1" bandRow="1"/>
               <a:tblGrid>
-                <a:gridCol w="732675"/>
-                <a:gridCol w="1039066"/>
-                <a:gridCol w="1009381"/>
-                <a:gridCol w="698847"/>
-                <a:gridCol w="1126712"/>
-                <a:gridCol w="827206"/>
-                <a:gridCol w="1055401"/>
+                <a:gridCol w="732675">
+                  <a:extLst>
+                    <a:ext uri="{9D8B030D-6E8A-4147-A177-3AD203B41FA5}">
+                      <a16:colId xmlns:a16="http://schemas.microsoft.com/office/drawing/2014/main" val="20000"/>
+                    </a:ext>
+                  </a:extLst>
+                </a:gridCol>
+                <a:gridCol w="1039066">
+                  <a:extLst>
+                    <a:ext uri="{9D8B030D-6E8A-4147-A177-3AD203B41FA5}">
+                      <a16:colId xmlns:a16="http://schemas.microsoft.com/office/drawing/2014/main" val="20001"/>
+                    </a:ext>
+                  </a:extLst>
+                </a:gridCol>
+                <a:gridCol w="1009381">
+                  <a:extLst>
+                    <a:ext uri="{9D8B030D-6E8A-4147-A177-3AD203B41FA5}">
+                      <a16:colId xmlns:a16="http://schemas.microsoft.com/office/drawing/2014/main" val="20002"/>
+                    </a:ext>
+                  </a:extLst>
+                </a:gridCol>
+                <a:gridCol w="698847">
+                  <a:extLst>
+                    <a:ext uri="{9D8B030D-6E8A-4147-A177-3AD203B41FA5}">
+                      <a16:colId xmlns:a16="http://schemas.microsoft.com/office/drawing/2014/main" val="20003"/>
+                    </a:ext>
+                  </a:extLst>
+                </a:gridCol>
+                <a:gridCol w="1126712">
+                  <a:extLst>
+                    <a:ext uri="{9D8B030D-6E8A-4147-A177-3AD203B41FA5}">
+                      <a16:colId xmlns:a16="http://schemas.microsoft.com/office/drawing/2014/main" val="20004"/>
+                    </a:ext>
+                  </a:extLst>
+                </a:gridCol>
+                <a:gridCol w="827206">
+                  <a:extLst>
+                    <a:ext uri="{9D8B030D-6E8A-4147-A177-3AD203B41FA5}">
+                      <a16:colId xmlns:a16="http://schemas.microsoft.com/office/drawing/2014/main" val="20005"/>
+                    </a:ext>
+                  </a:extLst>
+                </a:gridCol>
+                <a:gridCol w="1055401">
+                  <a:extLst>
+                    <a:ext uri="{9D8B030D-6E8A-4147-A177-3AD203B41FA5}">
+                      <a16:colId xmlns:a16="http://schemas.microsoft.com/office/drawing/2014/main" val="20006"/>
+                    </a:ext>
+                  </a:extLst>
+                </a:gridCol>
               </a:tblGrid>
               <a:tr h="0">
                 <a:tc rowSpan="2">
@@ -8952,6 +8481,11 @@
                   </a:txBody>
                   <a:tcPr/>
                 </a:tc>
+                <a:extLst>
+                  <a:ext uri="{0D108BD9-81ED-4DB2-BD59-A6C34878D82A}">
+                    <a16:rowId xmlns:a16="http://schemas.microsoft.com/office/drawing/2014/main" val="10000"/>
+                  </a:ext>
+                </a:extLst>
               </a:tr>
               <a:tr h="0">
                 <a:tc vMerge="1">
@@ -9115,7 +8649,7 @@
                         </a:spcAft>
                       </a:pPr>
                       <a:r>
-                        <a:rPr lang="en-US" sz="1800" dirty="0" smtClean="0">
+                        <a:rPr lang="en-US" sz="1800" dirty="0">
                           <a:solidFill>
                             <a:schemeClr val="tx1"/>
                           </a:solidFill>
@@ -9325,7 +8859,7 @@
                         </a:spcAft>
                       </a:pPr>
                       <a:r>
-                        <a:rPr lang="en-US" sz="1800" dirty="0" smtClean="0">
+                        <a:rPr lang="en-US" sz="1800" dirty="0">
                           <a:solidFill>
                             <a:schemeClr val="tx1"/>
                           </a:solidFill>
@@ -9384,6 +8918,11 @@
                     </a:lnB>
                   </a:tcPr>
                 </a:tc>
+                <a:extLst>
+                  <a:ext uri="{0D108BD9-81ED-4DB2-BD59-A6C34878D82A}">
+                    <a16:rowId xmlns:a16="http://schemas.microsoft.com/office/drawing/2014/main" val="10001"/>
+                  </a:ext>
+                </a:extLst>
               </a:tr>
               <a:tr h="0">
                 <a:tc>
@@ -9876,6 +9415,11 @@
                     </a:lnB>
                   </a:tcPr>
                 </a:tc>
+                <a:extLst>
+                  <a:ext uri="{0D108BD9-81ED-4DB2-BD59-A6C34878D82A}">
+                    <a16:rowId xmlns:a16="http://schemas.microsoft.com/office/drawing/2014/main" val="10002"/>
+                  </a:ext>
+                </a:extLst>
               </a:tr>
               <a:tr h="0">
                 <a:tc>
@@ -10368,6 +9912,11 @@
                     </a:lnB>
                   </a:tcPr>
                 </a:tc>
+                <a:extLst>
+                  <a:ext uri="{0D108BD9-81ED-4DB2-BD59-A6C34878D82A}">
+                    <a16:rowId xmlns:a16="http://schemas.microsoft.com/office/drawing/2014/main" val="10003"/>
+                  </a:ext>
+                </a:extLst>
               </a:tr>
               <a:tr h="0">
                 <a:tc>
@@ -10860,6 +10409,11 @@
                     </a:lnB>
                   </a:tcPr>
                 </a:tc>
+                <a:extLst>
+                  <a:ext uri="{0D108BD9-81ED-4DB2-BD59-A6C34878D82A}">
+                    <a16:rowId xmlns:a16="http://schemas.microsoft.com/office/drawing/2014/main" val="10004"/>
+                  </a:ext>
+                </a:extLst>
               </a:tr>
               <a:tr h="0">
                 <a:tc>
@@ -11232,6 +10786,11 @@
                     </a:lnB>
                   </a:tcPr>
                 </a:tc>
+                <a:extLst>
+                  <a:ext uri="{0D108BD9-81ED-4DB2-BD59-A6C34878D82A}">
+                    <a16:rowId xmlns:a16="http://schemas.microsoft.com/office/drawing/2014/main" val="10005"/>
+                  </a:ext>
+                </a:extLst>
               </a:tr>
             </a:tbl>
           </a:graphicData>
@@ -11246,7 +10805,7 @@
           <p:nvPr>
             <p:extLst>
               <p:ext uri="{D42A27DB-BD31-4B8C-83A1-F6EECF244321}">
-                <p14:modId xmlns:p14="http://schemas.microsoft.com/office/powerpoint/2010/main" xmlns="" val="2834172502"/>
+                <p14:modId xmlns:p14="http://schemas.microsoft.com/office/powerpoint/2010/main" val="2834172502"/>
               </p:ext>
             </p:extLst>
           </p:nvPr>
@@ -11260,13 +10819,55 @@
             <a:tbl>
               <a:tblPr firstRow="1" firstCol="1" bandRow="1"/>
               <a:tblGrid>
-                <a:gridCol w="676330"/>
-                <a:gridCol w="960389"/>
-                <a:gridCol w="1011616"/>
-                <a:gridCol w="800322"/>
-                <a:gridCol w="1178655"/>
-                <a:gridCol w="887630"/>
-                <a:gridCol w="1018592"/>
+                <a:gridCol w="676330">
+                  <a:extLst>
+                    <a:ext uri="{9D8B030D-6E8A-4147-A177-3AD203B41FA5}">
+                      <a16:colId xmlns:a16="http://schemas.microsoft.com/office/drawing/2014/main" val="20000"/>
+                    </a:ext>
+                  </a:extLst>
+                </a:gridCol>
+                <a:gridCol w="960389">
+                  <a:extLst>
+                    <a:ext uri="{9D8B030D-6E8A-4147-A177-3AD203B41FA5}">
+                      <a16:colId xmlns:a16="http://schemas.microsoft.com/office/drawing/2014/main" val="20001"/>
+                    </a:ext>
+                  </a:extLst>
+                </a:gridCol>
+                <a:gridCol w="1011616">
+                  <a:extLst>
+                    <a:ext uri="{9D8B030D-6E8A-4147-A177-3AD203B41FA5}">
+                      <a16:colId xmlns:a16="http://schemas.microsoft.com/office/drawing/2014/main" val="20002"/>
+                    </a:ext>
+                  </a:extLst>
+                </a:gridCol>
+                <a:gridCol w="800322">
+                  <a:extLst>
+                    <a:ext uri="{9D8B030D-6E8A-4147-A177-3AD203B41FA5}">
+                      <a16:colId xmlns:a16="http://schemas.microsoft.com/office/drawing/2014/main" val="20003"/>
+                    </a:ext>
+                  </a:extLst>
+                </a:gridCol>
+                <a:gridCol w="1178655">
+                  <a:extLst>
+                    <a:ext uri="{9D8B030D-6E8A-4147-A177-3AD203B41FA5}">
+                      <a16:colId xmlns:a16="http://schemas.microsoft.com/office/drawing/2014/main" val="20004"/>
+                    </a:ext>
+                  </a:extLst>
+                </a:gridCol>
+                <a:gridCol w="887630">
+                  <a:extLst>
+                    <a:ext uri="{9D8B030D-6E8A-4147-A177-3AD203B41FA5}">
+                      <a16:colId xmlns:a16="http://schemas.microsoft.com/office/drawing/2014/main" val="20005"/>
+                    </a:ext>
+                  </a:extLst>
+                </a:gridCol>
+                <a:gridCol w="1018592">
+                  <a:extLst>
+                    <a:ext uri="{9D8B030D-6E8A-4147-A177-3AD203B41FA5}">
+                      <a16:colId xmlns:a16="http://schemas.microsoft.com/office/drawing/2014/main" val="20006"/>
+                    </a:ext>
+                  </a:extLst>
+                </a:gridCol>
               </a:tblGrid>
               <a:tr h="0">
                 <a:tc rowSpan="2">
@@ -11503,6 +11104,11 @@
                   </a:txBody>
                   <a:tcPr/>
                 </a:tc>
+                <a:extLst>
+                  <a:ext uri="{0D108BD9-81ED-4DB2-BD59-A6C34878D82A}">
+                    <a16:rowId xmlns:a16="http://schemas.microsoft.com/office/drawing/2014/main" val="10000"/>
+                  </a:ext>
+                </a:extLst>
               </a:tr>
               <a:tr h="0">
                 <a:tc vMerge="1">
@@ -11666,7 +11272,7 @@
                         </a:spcAft>
                       </a:pPr>
                       <a:r>
-                        <a:rPr lang="en-US" sz="1800" dirty="0" smtClean="0">
+                        <a:rPr lang="en-US" sz="1800" dirty="0">
                           <a:solidFill>
                             <a:schemeClr val="tx1"/>
                           </a:solidFill>
@@ -11876,7 +11482,7 @@
                         </a:spcAft>
                       </a:pPr>
                       <a:r>
-                        <a:rPr lang="en-US" sz="1800" dirty="0" smtClean="0">
+                        <a:rPr lang="en-US" sz="1800" dirty="0">
                           <a:solidFill>
                             <a:schemeClr val="tx1"/>
                           </a:solidFill>
@@ -11935,6 +11541,11 @@
                     </a:lnB>
                   </a:tcPr>
                 </a:tc>
+                <a:extLst>
+                  <a:ext uri="{0D108BD9-81ED-4DB2-BD59-A6C34878D82A}">
+                    <a16:rowId xmlns:a16="http://schemas.microsoft.com/office/drawing/2014/main" val="10001"/>
+                  </a:ext>
+                </a:extLst>
               </a:tr>
               <a:tr h="0">
                 <a:tc>
@@ -12427,6 +12038,11 @@
                     </a:lnB>
                   </a:tcPr>
                 </a:tc>
+                <a:extLst>
+                  <a:ext uri="{0D108BD9-81ED-4DB2-BD59-A6C34878D82A}">
+                    <a16:rowId xmlns:a16="http://schemas.microsoft.com/office/drawing/2014/main" val="10002"/>
+                  </a:ext>
+                </a:extLst>
               </a:tr>
               <a:tr h="0">
                 <a:tc>
@@ -12919,6 +12535,11 @@
                     </a:lnB>
                   </a:tcPr>
                 </a:tc>
+                <a:extLst>
+                  <a:ext uri="{0D108BD9-81ED-4DB2-BD59-A6C34878D82A}">
+                    <a16:rowId xmlns:a16="http://schemas.microsoft.com/office/drawing/2014/main" val="10003"/>
+                  </a:ext>
+                </a:extLst>
               </a:tr>
               <a:tr h="0">
                 <a:tc>
@@ -13411,6 +13032,11 @@
                     </a:lnB>
                   </a:tcPr>
                 </a:tc>
+                <a:extLst>
+                  <a:ext uri="{0D108BD9-81ED-4DB2-BD59-A6C34878D82A}">
+                    <a16:rowId xmlns:a16="http://schemas.microsoft.com/office/drawing/2014/main" val="10004"/>
+                  </a:ext>
+                </a:extLst>
               </a:tr>
               <a:tr h="0">
                 <a:tc>
@@ -13783,6 +13409,11 @@
                     </a:lnB>
                   </a:tcPr>
                 </a:tc>
+                <a:extLst>
+                  <a:ext uri="{0D108BD9-81ED-4DB2-BD59-A6C34878D82A}">
+                    <a16:rowId xmlns:a16="http://schemas.microsoft.com/office/drawing/2014/main" val="10005"/>
+                  </a:ext>
+                </a:extLst>
               </a:tr>
             </a:tbl>
           </a:graphicData>
@@ -13795,10 +13426,10 @@
           <p:nvPr/>
         </p:nvPicPr>
         <p:blipFill>
-          <a:blip r:embed="rId4" cstate="print">
+          <a:blip r:embed="rId5" cstate="print">
             <a:extLst>
               <a:ext uri="{28A0092B-C50C-407E-A947-70E740481C1C}">
-                <a14:useLocalDpi xmlns:a14="http://schemas.microsoft.com/office/drawing/2010/main" xmlns="" val="0"/>
+                <a14:useLocalDpi xmlns:a14="http://schemas.microsoft.com/office/drawing/2010/main" val="0"/>
               </a:ext>
             </a:extLst>
           </a:blip>
@@ -13829,10 +13460,10 @@
             <a:picLocks noChangeAspect="1"/>
           </p:cNvPicPr>
           <p:nvPr>
-            <a:audioFile r:link="rId1"/>
+            <a:audioFile r:link="rId2"/>
             <p:extLst>
               <p:ext uri="{DAA4B4D4-6D71-4841-9C94-3DE7FCFB9230}">
-                <p14:media xmlns:p14="http://schemas.microsoft.com/office/powerpoint/2010/main" xmlns="" r:embed="rId5"/>
+                <p14:media xmlns:p14="http://schemas.microsoft.com/office/powerpoint/2010/main" r:embed="rId1"/>
               </p:ext>
             </p:extLst>
           </p:nvPr>
@@ -13856,18 +13487,18 @@
     </p:spTree>
     <p:extLst>
       <p:ext uri="{BB962C8B-B14F-4D97-AF65-F5344CB8AC3E}">
-        <p14:creationId xmlns:p14="http://schemas.microsoft.com/office/powerpoint/2010/main" xmlns="" val="3763993900"/>
+        <p14:creationId xmlns:p14="http://schemas.microsoft.com/office/powerpoint/2010/main" val="3763993900"/>
       </p:ext>
     </p:extLst>
   </p:cSld>
   <p:clrMapOvr>
     <a:masterClrMapping/>
   </p:clrMapOvr>
-  <mc:AlternateContent xmlns:mc="http://schemas.openxmlformats.org/markup-compatibility/2006">
-    <mc:Choice xmlns:p14="http://schemas.microsoft.com/office/powerpoint/2010/main" xmlns="" Requires="p14">
+  <mc:AlternateContent xmlns:mc="http://schemas.openxmlformats.org/markup-compatibility/2006" xmlns:p14="http://schemas.microsoft.com/office/powerpoint/2010/main">
+    <mc:Choice Requires="p14">
       <p:transition spd="slow" p14:dur="2000" advTm="920"/>
     </mc:Choice>
-    <mc:Fallback>
+    <mc:Fallback xmlns="">
       <p:transition spd="slow" advTm="920"/>
     </mc:Fallback>
   </mc:AlternateContent>
@@ -14270,7 +13901,7 @@
   <a:extraClrSchemeLst/>
   <a:extLst>
     <a:ext uri="{05A4C25C-085E-4340-85A3-A5531E510DB2}">
-      <thm15:themeFamily xmlns:thm15="http://schemas.microsoft.com/office/thememl/2012/main" xmlns="" name="Office Theme" id="{2E142A2C-CD16-42D6-873A-C26D2A0506FA}" vid="{1BDDFF52-6CD6-40A5-AB3C-68EB2F1E4D0A}"/>
+      <thm15:themeFamily xmlns:thm15="http://schemas.microsoft.com/office/thememl/2012/main" name="Office Theme" id="{2E142A2C-CD16-42D6-873A-C26D2A0506FA}" vid="{1BDDFF52-6CD6-40A5-AB3C-68EB2F1E4D0A}"/>
     </a:ext>
   </a:extLst>
 </a:theme>
@@ -14585,7 +14216,7 @@
   <a:extraClrSchemeLst/>
   <a:extLst>
     <a:ext uri="{05A4C25C-085E-4340-85A3-A5531E510DB2}">
-      <thm15:themeFamily xmlns:thm15="http://schemas.microsoft.com/office/thememl/2012/main" xmlns="" name="Office Theme" id="{2E142A2C-CD16-42D6-873A-C26D2A0506FA}" vid="{1BDDFF52-6CD6-40A5-AB3C-68EB2F1E4D0A}"/>
+      <thm15:themeFamily xmlns:thm15="http://schemas.microsoft.com/office/thememl/2012/main" name="Office Theme" id="{2E142A2C-CD16-42D6-873A-C26D2A0506FA}" vid="{1BDDFF52-6CD6-40A5-AB3C-68EB2F1E4D0A}"/>
     </a:ext>
   </a:extLst>
 </a:theme>
@@ -14880,7 +14511,7 @@
   <a:extraClrSchemeLst/>
   <a:extLst>
     <a:ext uri="{05A4C25C-085E-4340-85A3-A5531E510DB2}">
-      <thm15:themeFamily xmlns:thm15="http://schemas.microsoft.com/office/thememl/2012/main" xmlns="" name="Office Theme" id="{62F939B6-93AF-4DB8-9C6B-D6C7DFDC589F}" vid="{4A3C46E8-61CC-4603-A589-7422A47A8E4A}"/>
+      <thm15:themeFamily xmlns:thm15="http://schemas.microsoft.com/office/thememl/2012/main" name="Office Theme" id="{62F939B6-93AF-4DB8-9C6B-D6C7DFDC589F}" vid="{4A3C46E8-61CC-4603-A589-7422A47A8E4A}"/>
     </a:ext>
   </a:extLst>
 </a:theme>
